--- a/旺财学数据库/旺财学SQL Server.pptx
+++ b/旺财学数据库/旺财学SQL Server.pptx
@@ -6,17 +6,22 @@
     <p:sldMasterId id="2147483672" r:id="rId2"/>
   </p:sldMasterIdLst>
   <p:notesMasterIdLst>
-    <p:notesMasterId r:id="rId11"/>
+    <p:notesMasterId r:id="rId16"/>
   </p:notesMasterIdLst>
   <p:sldIdLst>
     <p:sldId id="256" r:id="rId3"/>
     <p:sldId id="258" r:id="rId4"/>
-    <p:sldId id="261" r:id="rId5"/>
-    <p:sldId id="262" r:id="rId6"/>
-    <p:sldId id="257" r:id="rId7"/>
-    <p:sldId id="259" r:id="rId8"/>
-    <p:sldId id="263" r:id="rId9"/>
-    <p:sldId id="260" r:id="rId10"/>
+    <p:sldId id="264" r:id="rId5"/>
+    <p:sldId id="268" r:id="rId6"/>
+    <p:sldId id="265" r:id="rId7"/>
+    <p:sldId id="266" r:id="rId8"/>
+    <p:sldId id="267" r:id="rId9"/>
+    <p:sldId id="261" r:id="rId10"/>
+    <p:sldId id="262" r:id="rId11"/>
+    <p:sldId id="257" r:id="rId12"/>
+    <p:sldId id="259" r:id="rId13"/>
+    <p:sldId id="263" r:id="rId14"/>
+    <p:sldId id="260" r:id="rId15"/>
   </p:sldIdLst>
   <p:sldSz cx="12192000" cy="6858000"/>
   <p:notesSz cx="6858000" cy="9144000"/>
@@ -205,7 +210,7 @@
           <a:p>
             <a:fld id="{ACD21A84-8E70-4EBE-8F53-682F89C94E0C}" type="datetimeFigureOut">
               <a:rPr lang="en-US" smtClean="0"/>
-              <a:t>1/10/2023</a:t>
+              <a:t>1/11/2023</a:t>
             </a:fld>
             <a:endParaRPr lang="en-US"/>
           </a:p>
@@ -567,7 +572,7 @@
           <a:p>
             <a:fld id="{D7D08E85-332C-4B39-B5EB-7E3DE6141764}" type="slidenum">
               <a:rPr lang="en-US" smtClean="0"/>
-              <a:t>5</a:t>
+              <a:t>10</a:t>
             </a:fld>
             <a:endParaRPr lang="en-US"/>
           </a:p>
@@ -670,7 +675,7 @@
           <a:p>
             <a:fld id="{D7D08E85-332C-4B39-B5EB-7E3DE6141764}" type="slidenum">
               <a:rPr lang="en-US" smtClean="0"/>
-              <a:t>6</a:t>
+              <a:t>11</a:t>
             </a:fld>
             <a:endParaRPr lang="en-US"/>
           </a:p>
@@ -818,7 +823,7 @@
           <a:p>
             <a:fld id="{50252674-9C9F-457A-A4EF-90171CF6A32E}" type="datetimeFigureOut">
               <a:rPr lang="en-US" smtClean="0"/>
-              <a:t>1/10/2023</a:t>
+              <a:t>1/11/2023</a:t>
             </a:fld>
             <a:endParaRPr lang="en-US"/>
           </a:p>
@@ -986,7 +991,7 @@
           <a:p>
             <a:fld id="{50252674-9C9F-457A-A4EF-90171CF6A32E}" type="datetimeFigureOut">
               <a:rPr lang="en-US" smtClean="0"/>
-              <a:t>1/10/2023</a:t>
+              <a:t>1/11/2023</a:t>
             </a:fld>
             <a:endParaRPr lang="en-US"/>
           </a:p>
@@ -1164,7 +1169,7 @@
           <a:p>
             <a:fld id="{50252674-9C9F-457A-A4EF-90171CF6A32E}" type="datetimeFigureOut">
               <a:rPr lang="en-US" smtClean="0"/>
-              <a:t>1/10/2023</a:t>
+              <a:t>1/11/2023</a:t>
             </a:fld>
             <a:endParaRPr lang="en-US"/>
           </a:p>
@@ -4430,7 +4435,7 @@
           <a:p>
             <a:fld id="{50252674-9C9F-457A-A4EF-90171CF6A32E}" type="datetimeFigureOut">
               <a:rPr lang="en-US" smtClean="0"/>
-              <a:t>1/10/2023</a:t>
+              <a:t>1/11/2023</a:t>
             </a:fld>
             <a:endParaRPr lang="en-US"/>
           </a:p>
@@ -4628,7 +4633,7 @@
           <a:p>
             <a:fld id="{50252674-9C9F-457A-A4EF-90171CF6A32E}" type="datetimeFigureOut">
               <a:rPr lang="en-US" smtClean="0"/>
-              <a:t>1/10/2023</a:t>
+              <a:t>1/11/2023</a:t>
             </a:fld>
             <a:endParaRPr lang="en-US"/>
           </a:p>
@@ -4903,7 +4908,7 @@
           <a:p>
             <a:fld id="{50252674-9C9F-457A-A4EF-90171CF6A32E}" type="datetimeFigureOut">
               <a:rPr lang="en-US" smtClean="0"/>
-              <a:t>1/10/2023</a:t>
+              <a:t>1/11/2023</a:t>
             </a:fld>
             <a:endParaRPr lang="en-US"/>
           </a:p>
@@ -5168,7 +5173,7 @@
           <a:p>
             <a:fld id="{50252674-9C9F-457A-A4EF-90171CF6A32E}" type="datetimeFigureOut">
               <a:rPr lang="en-US" smtClean="0"/>
-              <a:t>1/10/2023</a:t>
+              <a:t>1/11/2023</a:t>
             </a:fld>
             <a:endParaRPr lang="en-US"/>
           </a:p>
@@ -5580,7 +5585,7 @@
           <a:p>
             <a:fld id="{50252674-9C9F-457A-A4EF-90171CF6A32E}" type="datetimeFigureOut">
               <a:rPr lang="en-US" smtClean="0"/>
-              <a:t>1/10/2023</a:t>
+              <a:t>1/11/2023</a:t>
             </a:fld>
             <a:endParaRPr lang="en-US"/>
           </a:p>
@@ -5721,7 +5726,7 @@
           <a:p>
             <a:fld id="{50252674-9C9F-457A-A4EF-90171CF6A32E}" type="datetimeFigureOut">
               <a:rPr lang="en-US" smtClean="0"/>
-              <a:t>1/10/2023</a:t>
+              <a:t>1/11/2023</a:t>
             </a:fld>
             <a:endParaRPr lang="en-US"/>
           </a:p>
@@ -5834,7 +5839,7 @@
           <a:p>
             <a:fld id="{50252674-9C9F-457A-A4EF-90171CF6A32E}" type="datetimeFigureOut">
               <a:rPr lang="en-US" smtClean="0"/>
-              <a:t>1/10/2023</a:t>
+              <a:t>1/11/2023</a:t>
             </a:fld>
             <a:endParaRPr lang="en-US"/>
           </a:p>
@@ -6014,7 +6019,7 @@
           <a:p>
             <a:fld id="{50252674-9C9F-457A-A4EF-90171CF6A32E}" type="datetimeFigureOut">
               <a:rPr lang="en-US" smtClean="0"/>
-              <a:t>1/10/2023</a:t>
+              <a:t>1/11/2023</a:t>
             </a:fld>
             <a:endParaRPr lang="en-US"/>
           </a:p>
@@ -6313,7 +6318,7 @@
           <a:p>
             <a:fld id="{50252674-9C9F-457A-A4EF-90171CF6A32E}" type="datetimeFigureOut">
               <a:rPr lang="en-US" smtClean="0"/>
-              <a:t>1/10/2023</a:t>
+              <a:t>1/11/2023</a:t>
             </a:fld>
             <a:endParaRPr lang="en-US"/>
           </a:p>
@@ -6604,7 +6609,7 @@
           <a:p>
             <a:fld id="{50252674-9C9F-457A-A4EF-90171CF6A32E}" type="datetimeFigureOut">
               <a:rPr lang="en-US" smtClean="0"/>
-              <a:t>1/10/2023</a:t>
+              <a:t>1/11/2023</a:t>
             </a:fld>
             <a:endParaRPr lang="en-US"/>
           </a:p>
@@ -6802,7 +6807,7 @@
           <a:p>
             <a:fld id="{50252674-9C9F-457A-A4EF-90171CF6A32E}" type="datetimeFigureOut">
               <a:rPr lang="en-US" smtClean="0"/>
-              <a:t>1/10/2023</a:t>
+              <a:t>1/11/2023</a:t>
             </a:fld>
             <a:endParaRPr lang="en-US"/>
           </a:p>
@@ -7010,7 +7015,7 @@
           <a:p>
             <a:fld id="{50252674-9C9F-457A-A4EF-90171CF6A32E}" type="datetimeFigureOut">
               <a:rPr lang="en-US" smtClean="0"/>
-              <a:t>1/10/2023</a:t>
+              <a:t>1/11/2023</a:t>
             </a:fld>
             <a:endParaRPr lang="en-US"/>
           </a:p>
@@ -7267,7 +7272,7 @@
           <a:p>
             <a:fld id="{50252674-9C9F-457A-A4EF-90171CF6A32E}" type="datetimeFigureOut">
               <a:rPr lang="en-US" smtClean="0"/>
-              <a:t>1/10/2023</a:t>
+              <a:t>1/11/2023</a:t>
             </a:fld>
             <a:endParaRPr lang="en-US"/>
           </a:p>
@@ -7496,7 +7501,7 @@
           <a:p>
             <a:fld id="{50252674-9C9F-457A-A4EF-90171CF6A32E}" type="datetimeFigureOut">
               <a:rPr lang="en-US" smtClean="0"/>
-              <a:t>1/10/2023</a:t>
+              <a:t>1/11/2023</a:t>
             </a:fld>
             <a:endParaRPr lang="en-US"/>
           </a:p>
@@ -7860,7 +7865,7 @@
           <a:p>
             <a:fld id="{50252674-9C9F-457A-A4EF-90171CF6A32E}" type="datetimeFigureOut">
               <a:rPr lang="en-US" smtClean="0"/>
-              <a:t>1/10/2023</a:t>
+              <a:t>1/11/2023</a:t>
             </a:fld>
             <a:endParaRPr lang="en-US"/>
           </a:p>
@@ -7977,7 +7982,7 @@
           <a:p>
             <a:fld id="{50252674-9C9F-457A-A4EF-90171CF6A32E}" type="datetimeFigureOut">
               <a:rPr lang="en-US" smtClean="0"/>
-              <a:t>1/10/2023</a:t>
+              <a:t>1/11/2023</a:t>
             </a:fld>
             <a:endParaRPr lang="en-US"/>
           </a:p>
@@ -8072,7 +8077,7 @@
           <a:p>
             <a:fld id="{50252674-9C9F-457A-A4EF-90171CF6A32E}" type="datetimeFigureOut">
               <a:rPr lang="en-US" smtClean="0"/>
-              <a:t>1/10/2023</a:t>
+              <a:t>1/11/2023</a:t>
             </a:fld>
             <a:endParaRPr lang="en-US"/>
           </a:p>
@@ -8347,7 +8352,7 @@
           <a:p>
             <a:fld id="{50252674-9C9F-457A-A4EF-90171CF6A32E}" type="datetimeFigureOut">
               <a:rPr lang="en-US" smtClean="0"/>
-              <a:t>1/10/2023</a:t>
+              <a:t>1/11/2023</a:t>
             </a:fld>
             <a:endParaRPr lang="en-US"/>
           </a:p>
@@ -8599,7 +8604,7 @@
           <a:p>
             <a:fld id="{50252674-9C9F-457A-A4EF-90171CF6A32E}" type="datetimeFigureOut">
               <a:rPr lang="en-US" smtClean="0"/>
-              <a:t>1/10/2023</a:t>
+              <a:t>1/11/2023</a:t>
             </a:fld>
             <a:endParaRPr lang="en-US"/>
           </a:p>
@@ -8810,7 +8815,7 @@
           <a:p>
             <a:fld id="{50252674-9C9F-457A-A4EF-90171CF6A32E}" type="datetimeFigureOut">
               <a:rPr lang="en-US" smtClean="0"/>
-              <a:t>1/10/2023</a:t>
+              <a:t>1/11/2023</a:t>
             </a:fld>
             <a:endParaRPr lang="en-US"/>
           </a:p>
@@ -9375,7 +9380,7 @@
           <a:p>
             <a:fld id="{50252674-9C9F-457A-A4EF-90171CF6A32E}" type="datetimeFigureOut">
               <a:rPr lang="en-US" smtClean="0"/>
-              <a:t>1/10/2023</a:t>
+              <a:t>1/11/2023</a:t>
             </a:fld>
             <a:endParaRPr lang="en-US"/>
           </a:p>
@@ -10291,595 +10296,7 @@
 </p:sld>
 </file>
 
-<file path=ppt/slides/slide2.xml><?xml version="1.0" encoding="utf-8"?>
-<p:sld xmlns:a="http://schemas.openxmlformats.org/drawingml/2006/main" xmlns:r="http://schemas.openxmlformats.org/officeDocument/2006/relationships" xmlns:p="http://schemas.openxmlformats.org/presentationml/2006/main">
-  <p:cSld>
-    <p:spTree>
-      <p:nvGrpSpPr>
-        <p:cNvPr id="1" name=""/>
-        <p:cNvGrpSpPr/>
-        <p:nvPr/>
-      </p:nvGrpSpPr>
-      <p:grpSpPr>
-        <a:xfrm>
-          <a:off x="0" y="0"/>
-          <a:ext cx="0" cy="0"/>
-          <a:chOff x="0" y="0"/>
-          <a:chExt cx="0" cy="0"/>
-        </a:xfrm>
-      </p:grpSpPr>
-      <p:sp>
-        <p:nvSpPr>
-          <p:cNvPr id="2" name="Title 1"/>
-          <p:cNvSpPr>
-            <a:spLocks noGrp="1"/>
-          </p:cNvSpPr>
-          <p:nvPr>
-            <p:ph type="title"/>
-          </p:nvPr>
-        </p:nvSpPr>
-        <p:spPr/>
-        <p:txBody>
-          <a:bodyPr/>
-          <a:lstStyle/>
-          <a:p>
-            <a:r>
-              <a:rPr lang="en-US" dirty="0"/>
-              <a:t>SQL Server</a:t>
-            </a:r>
-            <a:r>
-              <a:rPr lang="zh-CN" altLang="en-US" dirty="0"/>
-              <a:t>历史</a:t>
-            </a:r>
-            <a:endParaRPr lang="en-US" dirty="0"/>
-          </a:p>
-        </p:txBody>
-      </p:sp>
-      <p:sp>
-        <p:nvSpPr>
-          <p:cNvPr id="3" name="Content Placeholder 2"/>
-          <p:cNvSpPr>
-            <a:spLocks noGrp="1"/>
-          </p:cNvSpPr>
-          <p:nvPr>
-            <p:ph idx="1"/>
-          </p:nvPr>
-        </p:nvSpPr>
-        <p:spPr/>
-        <p:txBody>
-          <a:bodyPr>
-            <a:normAutofit fontScale="70000" lnSpcReduction="20000"/>
-          </a:bodyPr>
-          <a:lstStyle/>
-          <a:p>
-            <a:pPr marL="514350" indent="-514350">
-              <a:lnSpc>
-                <a:spcPct val="120000"/>
-              </a:lnSpc>
-              <a:buFont typeface="+mj-lt"/>
-              <a:buAutoNum type="arabicPeriod"/>
-            </a:pPr>
-            <a:r>
-              <a:rPr lang="en-US" altLang="zh-CN" dirty="0"/>
-              <a:t>SQL Server</a:t>
-            </a:r>
-            <a:r>
-              <a:rPr lang="zh-CN" altLang="en-US" dirty="0"/>
-              <a:t>是微软开发的关系数据库管理系统 （</a:t>
-            </a:r>
-            <a:r>
-              <a:rPr lang="en-US" altLang="zh-CN" dirty="0"/>
-              <a:t>RDBMS</a:t>
-            </a:r>
-            <a:r>
-              <a:rPr lang="zh-CN" altLang="en-US" dirty="0"/>
-              <a:t>）的简称，也被称为 </a:t>
-            </a:r>
-            <a:r>
-              <a:rPr lang="en-US" altLang="zh-CN" dirty="0"/>
-              <a:t>MS SQL </a:t>
-            </a:r>
-            <a:r>
-              <a:rPr lang="zh-CN" altLang="en-US" dirty="0"/>
-              <a:t>。</a:t>
-            </a:r>
-            <a:endParaRPr lang="en-US" altLang="zh-CN" dirty="0"/>
-          </a:p>
-          <a:p>
-            <a:pPr marL="514350" indent="-514350">
-              <a:lnSpc>
-                <a:spcPct val="120000"/>
-              </a:lnSpc>
-              <a:buFont typeface="+mj-lt"/>
-              <a:buAutoNum type="arabicPeriod"/>
-            </a:pPr>
-            <a:r>
-              <a:rPr lang="zh-CN" altLang="en-US" dirty="0"/>
-              <a:t>支持查询语言是 </a:t>
-            </a:r>
-            <a:r>
-              <a:rPr lang="en-US" altLang="zh-CN" dirty="0"/>
-              <a:t>T-SQL </a:t>
-            </a:r>
-            <a:r>
-              <a:rPr lang="zh-CN" altLang="en-US" dirty="0"/>
-              <a:t>和 </a:t>
-            </a:r>
-            <a:r>
-              <a:rPr lang="en-US" altLang="zh-CN" dirty="0"/>
-              <a:t>ANSI SQL</a:t>
-            </a:r>
-            <a:r>
-              <a:rPr lang="zh-CN" altLang="en-US" dirty="0"/>
-              <a:t>。</a:t>
-            </a:r>
-            <a:endParaRPr lang="en-US" altLang="zh-CN" dirty="0"/>
-          </a:p>
-          <a:p>
-            <a:pPr marL="514350" indent="-514350">
-              <a:lnSpc>
-                <a:spcPct val="120000"/>
-              </a:lnSpc>
-              <a:buFont typeface="+mj-lt"/>
-              <a:buAutoNum type="arabicPeriod"/>
-            </a:pPr>
-            <a:r>
-              <a:rPr lang="zh-CN" altLang="en-US" dirty="0"/>
-              <a:t>第一个版本</a:t>
-            </a:r>
-            <a:r>
-              <a:rPr lang="en-US" altLang="zh-CN" dirty="0"/>
-              <a:t>(</a:t>
-            </a:r>
-            <a:r>
-              <a:rPr lang="en-US" dirty="0"/>
-              <a:t>SQL Server 1.0)</a:t>
-            </a:r>
-            <a:r>
-              <a:rPr lang="zh-CN" altLang="en-US" dirty="0"/>
-              <a:t>发布于</a:t>
-            </a:r>
-            <a:r>
-              <a:rPr lang="en-US" altLang="zh-CN" dirty="0"/>
-              <a:t>1989</a:t>
-            </a:r>
-            <a:r>
-              <a:rPr lang="zh-CN" altLang="en-US" dirty="0"/>
-              <a:t>年</a:t>
-            </a:r>
-            <a:r>
-              <a:rPr lang="en-US" altLang="zh-CN" dirty="0"/>
-              <a:t>4</a:t>
-            </a:r>
-            <a:r>
-              <a:rPr lang="zh-CN" altLang="en-US" dirty="0"/>
-              <a:t>月</a:t>
-            </a:r>
-            <a:r>
-              <a:rPr lang="en-US" altLang="zh-CN" dirty="0"/>
-              <a:t>24</a:t>
-            </a:r>
-            <a:r>
-              <a:rPr lang="zh-CN" altLang="en-US" dirty="0"/>
-              <a:t>日 ，目前最新版本为</a:t>
-            </a:r>
-            <a:r>
-              <a:rPr lang="en-US" altLang="zh-CN" dirty="0"/>
-              <a:t>SQL Server 2022</a:t>
-            </a:r>
-            <a:r>
-              <a:rPr lang="zh-CN" altLang="en-US" dirty="0"/>
-              <a:t>，它是目前支持 </a:t>
-            </a:r>
-            <a:r>
-              <a:rPr lang="en-US" altLang="zh-CN" dirty="0"/>
-              <a:t>Azure</a:t>
-            </a:r>
-            <a:r>
-              <a:rPr lang="zh-CN" altLang="en-US" dirty="0"/>
-              <a:t>功能最多的版本，并在性能、安全性和可用性方面继续创新。</a:t>
-            </a:r>
-            <a:endParaRPr lang="en-US" altLang="zh-CN" dirty="0"/>
-          </a:p>
-          <a:p>
-            <a:pPr marL="514350" indent="-514350">
-              <a:lnSpc>
-                <a:spcPct val="120000"/>
-              </a:lnSpc>
-              <a:buFont typeface="+mj-lt"/>
-              <a:buAutoNum type="arabicPeriod"/>
-            </a:pPr>
-            <a:r>
-              <a:rPr lang="en-US" altLang="zh-CN" dirty="0"/>
-              <a:t>SQL Server </a:t>
-            </a:r>
-            <a:r>
-              <a:rPr lang="zh-CN" altLang="en-US" dirty="0"/>
-              <a:t>提供了一种称为 </a:t>
-            </a:r>
-            <a:r>
-              <a:rPr lang="en-US" altLang="zh-CN" dirty="0"/>
-              <a:t>SSMS</a:t>
-            </a:r>
-            <a:r>
-              <a:rPr lang="zh-CN" altLang="en-US" dirty="0"/>
-              <a:t>的数据库管理工具，使新手能够轻松管理和操作数据库。</a:t>
-            </a:r>
-            <a:endParaRPr lang="en-US" altLang="zh-CN" dirty="0"/>
-          </a:p>
-          <a:p>
-            <a:pPr marL="514350" indent="-514350">
-              <a:lnSpc>
-                <a:spcPct val="120000"/>
-              </a:lnSpc>
-              <a:buFont typeface="+mj-lt"/>
-              <a:buAutoNum type="arabicPeriod"/>
-            </a:pPr>
-            <a:r>
-              <a:rPr lang="zh-CN" altLang="en-US" dirty="0"/>
-              <a:t>它具有商业智能 （</a:t>
-            </a:r>
-            <a:r>
-              <a:rPr lang="en-US" altLang="zh-CN" dirty="0"/>
-              <a:t>BI</a:t>
-            </a:r>
-            <a:r>
-              <a:rPr lang="zh-CN" altLang="en-US" dirty="0"/>
-              <a:t>） 和数据挖掘功能，如 </a:t>
-            </a:r>
-            <a:r>
-              <a:rPr lang="en-US" altLang="zh-CN" dirty="0"/>
-              <a:t>OLAP </a:t>
-            </a:r>
-            <a:r>
-              <a:rPr lang="zh-CN" altLang="en-US" dirty="0"/>
-              <a:t>和多维分析。</a:t>
-            </a:r>
-            <a:endParaRPr lang="en-US" altLang="zh-CN" dirty="0"/>
-          </a:p>
-          <a:p>
-            <a:pPr marL="514350" indent="-514350">
-              <a:lnSpc>
-                <a:spcPct val="120000"/>
-              </a:lnSpc>
-              <a:buFont typeface="+mj-lt"/>
-              <a:buAutoNum type="arabicPeriod"/>
-            </a:pPr>
-            <a:r>
-              <a:rPr lang="zh-CN" altLang="en-US" dirty="0"/>
-              <a:t>从</a:t>
-            </a:r>
-            <a:r>
-              <a:rPr lang="en-US" altLang="zh-CN" dirty="0"/>
-              <a:t>SQL Server 2016</a:t>
-            </a:r>
-            <a:r>
-              <a:rPr lang="zh-CN" altLang="en-US" dirty="0"/>
-              <a:t>开始仅支持</a:t>
-            </a:r>
-            <a:r>
-              <a:rPr lang="en-US" altLang="zh-CN" dirty="0"/>
-              <a:t>64</a:t>
-            </a:r>
-            <a:r>
-              <a:rPr lang="zh-CN" altLang="en-US" dirty="0"/>
-              <a:t>位操作系统。</a:t>
-            </a:r>
-            <a:endParaRPr lang="en-US" altLang="zh-CN" dirty="0"/>
-          </a:p>
-          <a:p>
-            <a:pPr marL="514350" indent="-514350">
-              <a:lnSpc>
-                <a:spcPct val="120000"/>
-              </a:lnSpc>
-              <a:buFont typeface="+mj-lt"/>
-              <a:buAutoNum type="arabicPeriod"/>
-            </a:pPr>
-            <a:r>
-              <a:rPr lang="zh-CN" altLang="en-US" dirty="0"/>
-              <a:t>从 </a:t>
-            </a:r>
-            <a:r>
-              <a:rPr lang="en-US" dirty="0"/>
-              <a:t>SQL Server 2017</a:t>
-            </a:r>
-            <a:r>
-              <a:rPr lang="zh-CN" altLang="en-US" dirty="0"/>
-              <a:t>开始支持</a:t>
-            </a:r>
-            <a:r>
-              <a:rPr lang="en-US" altLang="zh-CN" dirty="0"/>
-              <a:t>Linux</a:t>
-            </a:r>
-            <a:r>
-              <a:rPr lang="zh-CN" altLang="en-US" dirty="0"/>
-              <a:t>下安装部署，真正跨平台的数据库系统。</a:t>
-            </a:r>
-            <a:endParaRPr lang="en-US" dirty="0"/>
-          </a:p>
-        </p:txBody>
-      </p:sp>
-    </p:spTree>
-    <p:extLst>
-      <p:ext uri="{BB962C8B-B14F-4D97-AF65-F5344CB8AC3E}">
-        <p14:creationId xmlns:p14="http://schemas.microsoft.com/office/powerpoint/2010/main" val="2078214271"/>
-      </p:ext>
-    </p:extLst>
-  </p:cSld>
-  <p:clrMapOvr>
-    <a:masterClrMapping/>
-  </p:clrMapOvr>
-</p:sld>
-</file>
-
-<file path=ppt/slides/slide3.xml><?xml version="1.0" encoding="utf-8"?>
-<p:sld xmlns:a="http://schemas.openxmlformats.org/drawingml/2006/main" xmlns:r="http://schemas.openxmlformats.org/officeDocument/2006/relationships" xmlns:p="http://schemas.openxmlformats.org/presentationml/2006/main">
-  <p:cSld>
-    <p:spTree>
-      <p:nvGrpSpPr>
-        <p:cNvPr id="1" name=""/>
-        <p:cNvGrpSpPr/>
-        <p:nvPr/>
-      </p:nvGrpSpPr>
-      <p:grpSpPr>
-        <a:xfrm>
-          <a:off x="0" y="0"/>
-          <a:ext cx="0" cy="0"/>
-          <a:chOff x="0" y="0"/>
-          <a:chExt cx="0" cy="0"/>
-        </a:xfrm>
-      </p:grpSpPr>
-      <p:sp>
-        <p:nvSpPr>
-          <p:cNvPr id="2" name="Title 1"/>
-          <p:cNvSpPr>
-            <a:spLocks noGrp="1"/>
-          </p:cNvSpPr>
-          <p:nvPr>
-            <p:ph type="title"/>
-          </p:nvPr>
-        </p:nvSpPr>
-        <p:spPr/>
-        <p:txBody>
-          <a:bodyPr/>
-          <a:lstStyle/>
-          <a:p>
-            <a:r>
-              <a:rPr lang="zh-CN" altLang="en-US" dirty="0"/>
-              <a:t>资源推荐</a:t>
-            </a:r>
-            <a:endParaRPr lang="en-US" dirty="0"/>
-          </a:p>
-        </p:txBody>
-      </p:sp>
-      <p:sp>
-        <p:nvSpPr>
-          <p:cNvPr id="3" name="Content Placeholder 2"/>
-          <p:cNvSpPr>
-            <a:spLocks noGrp="1"/>
-          </p:cNvSpPr>
-          <p:nvPr>
-            <p:ph idx="1"/>
-          </p:nvPr>
-        </p:nvSpPr>
-        <p:spPr/>
-        <p:txBody>
-          <a:bodyPr>
-            <a:normAutofit lnSpcReduction="10000"/>
-          </a:bodyPr>
-          <a:lstStyle/>
-          <a:p>
-            <a:r>
-              <a:rPr lang="zh-CN" altLang="en-US" dirty="0"/>
-              <a:t>特别推荐的 </a:t>
-            </a:r>
-            <a:r>
-              <a:rPr lang="en-US" dirty="0"/>
-              <a:t>SQL Server 2022 </a:t>
-            </a:r>
-            <a:r>
-              <a:rPr lang="zh-CN" altLang="en-US" dirty="0"/>
-              <a:t>资源</a:t>
-            </a:r>
-            <a:endParaRPr lang="en-US" altLang="zh-CN" dirty="0"/>
-          </a:p>
-          <a:p>
-            <a:pPr lvl="1"/>
-            <a:r>
-              <a:rPr lang="zh-CN" altLang="en-US" dirty="0"/>
-              <a:t>官网：</a:t>
-            </a:r>
-            <a:r>
-              <a:rPr lang="en-US" altLang="zh-CN" dirty="0">
-                <a:hlinkClick r:id="rId2"/>
-              </a:rPr>
-              <a:t>https://www.microsoft.com/en-us/sql-server/sql-server-2022</a:t>
-            </a:r>
-            <a:r>
-              <a:rPr lang="en-US" altLang="zh-CN" dirty="0"/>
-              <a:t> </a:t>
-            </a:r>
-          </a:p>
-          <a:p>
-            <a:pPr lvl="1"/>
-            <a:r>
-              <a:rPr lang="zh-CN" altLang="en-US" dirty="0"/>
-              <a:t>文档：</a:t>
-            </a:r>
-            <a:r>
-              <a:rPr lang="en-US" altLang="zh-CN" dirty="0">
-                <a:hlinkClick r:id="rId3"/>
-              </a:rPr>
-              <a:t>https://aka.ms/sqlserver2022docs</a:t>
-            </a:r>
-            <a:endParaRPr lang="en-US" altLang="zh-CN" dirty="0"/>
-          </a:p>
-          <a:p>
-            <a:pPr lvl="1"/>
-            <a:r>
-              <a:rPr lang="zh-CN" altLang="en-US" dirty="0"/>
-              <a:t>视频：</a:t>
-            </a:r>
-            <a:r>
-              <a:rPr lang="en-US" altLang="zh-CN" dirty="0">
-                <a:hlinkClick r:id="rId4"/>
-              </a:rPr>
-              <a:t>http://aka.ms/dataexposed-sqlserver2022</a:t>
-            </a:r>
-            <a:r>
-              <a:rPr lang="en-US" altLang="zh-CN" dirty="0"/>
-              <a:t> </a:t>
-            </a:r>
-          </a:p>
-          <a:p>
-            <a:pPr lvl="1"/>
-            <a:r>
-              <a:rPr lang="en-US" altLang="zh-CN" dirty="0"/>
-              <a:t>SQL Server 2022 </a:t>
-            </a:r>
-            <a:r>
-              <a:rPr lang="zh-CN" altLang="en-US" dirty="0"/>
-              <a:t>公告博客：</a:t>
-            </a:r>
-            <a:r>
-              <a:rPr lang="en-US" altLang="zh-CN" dirty="0">
-                <a:hlinkClick r:id="rId5"/>
-              </a:rPr>
-              <a:t>https://cloudblogs.microsoft.com/sqlserver/2022/11/16/sql-server-2022-is-now-generally-available/</a:t>
-            </a:r>
-            <a:endParaRPr lang="en-US" altLang="zh-CN" dirty="0"/>
-          </a:p>
-          <a:p>
-            <a:pPr lvl="1"/>
-            <a:r>
-              <a:rPr lang="en-US" dirty="0"/>
-              <a:t>SQL Server 2022 </a:t>
-            </a:r>
-            <a:r>
-              <a:rPr lang="zh-CN" altLang="en-US" dirty="0"/>
-              <a:t>数据表：</a:t>
-            </a:r>
-            <a:r>
-              <a:rPr lang="en-US" altLang="zh-CN" dirty="0">
-                <a:hlinkClick r:id="rId6"/>
-              </a:rPr>
-              <a:t>https://go.microsoft.com/fwlink/p/?linkid=2215302&amp;clcid=0x804&amp;culture=zh-cn&amp;country=cn</a:t>
-            </a:r>
-            <a:r>
-              <a:rPr lang="en-US" altLang="zh-CN" dirty="0"/>
-              <a:t> </a:t>
-            </a:r>
-          </a:p>
-          <a:p>
-            <a:pPr lvl="1"/>
-            <a:r>
-              <a:rPr lang="en-US" dirty="0"/>
-              <a:t>The SQL Server 2022 Workshop</a:t>
-            </a:r>
-            <a:r>
-              <a:rPr lang="zh-CN" altLang="en-US" dirty="0"/>
-              <a:t>：</a:t>
-            </a:r>
-            <a:r>
-              <a:rPr lang="en-US" altLang="zh-CN" dirty="0">
-                <a:hlinkClick r:id="rId7"/>
-              </a:rPr>
-              <a:t>https://github.com/microsoft/sqlworkshops-sql2022workshop</a:t>
-            </a:r>
-            <a:endParaRPr lang="en-US" altLang="zh-CN" dirty="0"/>
-          </a:p>
-          <a:p>
-            <a:pPr lvl="1"/>
-            <a:endParaRPr lang="en-US" dirty="0"/>
-          </a:p>
-        </p:txBody>
-      </p:sp>
-    </p:spTree>
-    <p:extLst>
-      <p:ext uri="{BB962C8B-B14F-4D97-AF65-F5344CB8AC3E}">
-        <p14:creationId xmlns:p14="http://schemas.microsoft.com/office/powerpoint/2010/main" val="3702679980"/>
-      </p:ext>
-    </p:extLst>
-  </p:cSld>
-  <p:clrMapOvr>
-    <a:masterClrMapping/>
-  </p:clrMapOvr>
-</p:sld>
-</file>
-
-<file path=ppt/slides/slide4.xml><?xml version="1.0" encoding="utf-8"?>
-<p:sld xmlns:a="http://schemas.openxmlformats.org/drawingml/2006/main" xmlns:r="http://schemas.openxmlformats.org/officeDocument/2006/relationships" xmlns:p="http://schemas.openxmlformats.org/presentationml/2006/main">
-  <p:cSld>
-    <p:spTree>
-      <p:nvGrpSpPr>
-        <p:cNvPr id="1" name=""/>
-        <p:cNvGrpSpPr/>
-        <p:nvPr/>
-      </p:nvGrpSpPr>
-      <p:grpSpPr>
-        <a:xfrm>
-          <a:off x="0" y="0"/>
-          <a:ext cx="0" cy="0"/>
-          <a:chOff x="0" y="0"/>
-          <a:chExt cx="0" cy="0"/>
-        </a:xfrm>
-      </p:grpSpPr>
-      <p:pic>
-        <p:nvPicPr>
-          <p:cNvPr id="3074" name="Picture 2" descr="Diagram showing SQL Server 2022 capabilities."/>
-          <p:cNvPicPr>
-            <a:picLocks noChangeAspect="1" noChangeArrowheads="1"/>
-          </p:cNvPicPr>
-          <p:nvPr/>
-        </p:nvPicPr>
-        <p:blipFill>
-          <a:blip r:embed="rId2">
-            <a:alphaModFix amt="50000"/>
-            <a:extLst>
-              <a:ext uri="{28A0092B-C50C-407E-A947-70E740481C1C}">
-                <a14:useLocalDpi xmlns:a14="http://schemas.microsoft.com/office/drawing/2010/main" val="0"/>
-              </a:ext>
-            </a:extLst>
-          </a:blip>
-          <a:srcRect/>
-          <a:stretch>
-            <a:fillRect/>
-          </a:stretch>
-        </p:blipFill>
-        <p:spPr bwMode="auto">
-          <a:xfrm>
-            <a:off x="1524000" y="190500"/>
-            <a:ext cx="9144000" cy="6477000"/>
-          </a:xfrm>
-          <a:prstGeom prst="rect">
-            <a:avLst/>
-          </a:prstGeom>
-          <a:noFill/>
-          <a:extLst>
-            <a:ext uri="{909E8E84-426E-40DD-AFC4-6F175D3DCCD1}">
-              <a14:hiddenFill xmlns:a14="http://schemas.microsoft.com/office/drawing/2010/main">
-                <a:solidFill>
-                  <a:srgbClr val="FFFFFF"/>
-                </a:solidFill>
-              </a14:hiddenFill>
-            </a:ext>
-          </a:extLst>
-        </p:spPr>
-      </p:pic>
-    </p:spTree>
-    <p:extLst>
-      <p:ext uri="{BB962C8B-B14F-4D97-AF65-F5344CB8AC3E}">
-        <p14:creationId xmlns:p14="http://schemas.microsoft.com/office/powerpoint/2010/main" val="2619470027"/>
-      </p:ext>
-    </p:extLst>
-  </p:cSld>
-  <p:clrMapOvr>
-    <a:masterClrMapping/>
-  </p:clrMapOvr>
-</p:sld>
-</file>
-
-<file path=ppt/slides/slide5.xml><?xml version="1.0" encoding="utf-8"?>
+<file path=ppt/slides/slide10.xml><?xml version="1.0" encoding="utf-8"?>
 <p:sld xmlns:a="http://schemas.openxmlformats.org/drawingml/2006/main" xmlns:r="http://schemas.openxmlformats.org/officeDocument/2006/relationships" xmlns:p="http://schemas.openxmlformats.org/presentationml/2006/main">
   <p:cSld>
     <p:spTree>
@@ -16722,7 +16139,7 @@
 </p:sld>
 </file>
 
-<file path=ppt/slides/slide6.xml><?xml version="1.0" encoding="utf-8"?>
+<file path=ppt/slides/slide11.xml><?xml version="1.0" encoding="utf-8"?>
 <p:sld xmlns:a="http://schemas.openxmlformats.org/drawingml/2006/main" xmlns:r="http://schemas.openxmlformats.org/officeDocument/2006/relationships" xmlns:p="http://schemas.openxmlformats.org/presentationml/2006/main">
   <p:cSld>
     <p:spTree>
@@ -27069,7 +26486,7 @@
 </p:sld>
 </file>
 
-<file path=ppt/slides/slide7.xml><?xml version="1.0" encoding="utf-8"?>
+<file path=ppt/slides/slide12.xml><?xml version="1.0" encoding="utf-8"?>
 <p:sld xmlns:a="http://schemas.openxmlformats.org/drawingml/2006/main" xmlns:r="http://schemas.openxmlformats.org/officeDocument/2006/relationships" xmlns:p="http://schemas.openxmlformats.org/presentationml/2006/main">
   <p:cSld>
     <p:spTree>
@@ -30505,6 +29922,1346 @@
 </p:sld>
 </file>
 
+<file path=ppt/slides/slide13.xml><?xml version="1.0" encoding="utf-8"?>
+<p:sld xmlns:a="http://schemas.openxmlformats.org/drawingml/2006/main" xmlns:r="http://schemas.openxmlformats.org/officeDocument/2006/relationships" xmlns:p="http://schemas.openxmlformats.org/presentationml/2006/main">
+  <p:cSld>
+    <p:spTree>
+      <p:nvGrpSpPr>
+        <p:cNvPr id="1" name=""/>
+        <p:cNvGrpSpPr/>
+        <p:nvPr/>
+      </p:nvGrpSpPr>
+      <p:grpSpPr>
+        <a:xfrm>
+          <a:off x="0" y="0"/>
+          <a:ext cx="0" cy="0"/>
+          <a:chOff x="0" y="0"/>
+          <a:chExt cx="0" cy="0"/>
+        </a:xfrm>
+      </p:grpSpPr>
+      <p:sp>
+        <p:nvSpPr>
+          <p:cNvPr id="2" name="Title 1"/>
+          <p:cNvSpPr>
+            <a:spLocks noGrp="1"/>
+          </p:cNvSpPr>
+          <p:nvPr>
+            <p:ph type="title"/>
+          </p:nvPr>
+        </p:nvSpPr>
+        <p:spPr/>
+        <p:txBody>
+          <a:bodyPr/>
+          <a:lstStyle/>
+          <a:p>
+            <a:r>
+              <a:rPr lang="zh-CN" altLang="en-US" dirty="0"/>
+              <a:t>授权方式及价格</a:t>
+            </a:r>
+            <a:endParaRPr lang="en-US" dirty="0"/>
+          </a:p>
+        </p:txBody>
+      </p:sp>
+      <p:sp>
+        <p:nvSpPr>
+          <p:cNvPr id="3" name="Content Placeholder 2"/>
+          <p:cNvSpPr>
+            <a:spLocks noGrp="1"/>
+          </p:cNvSpPr>
+          <p:nvPr>
+            <p:ph idx="1"/>
+          </p:nvPr>
+        </p:nvSpPr>
+        <p:spPr/>
+        <p:txBody>
+          <a:bodyPr/>
+          <a:lstStyle/>
+          <a:p>
+            <a:r>
+              <a:rPr lang="zh-CN" altLang="en-US" dirty="0"/>
+              <a:t>处理器许可证</a:t>
+            </a:r>
+            <a:endParaRPr lang="en-US" altLang="zh-CN" dirty="0"/>
+          </a:p>
+          <a:p>
+            <a:pPr lvl="1"/>
+            <a:r>
+              <a:rPr lang="zh-CN" altLang="en-US" dirty="0"/>
+              <a:t>许可证取决于安装的物理处理器数。 适用于大量客户端使用的应用。</a:t>
+            </a:r>
+            <a:endParaRPr lang="en-US" altLang="zh-CN" dirty="0"/>
+          </a:p>
+          <a:p>
+            <a:r>
+              <a:rPr lang="zh-CN" altLang="en-US" dirty="0"/>
+              <a:t>服务器</a:t>
+            </a:r>
+            <a:r>
+              <a:rPr lang="en-US" altLang="zh-CN" dirty="0"/>
+              <a:t>/CAL </a:t>
+            </a:r>
+            <a:r>
+              <a:rPr lang="zh-CN" altLang="en-US" dirty="0"/>
+              <a:t>许可证</a:t>
+            </a:r>
+            <a:endParaRPr lang="en-US" altLang="zh-CN" dirty="0"/>
+          </a:p>
+          <a:p>
+            <a:pPr lvl="1"/>
+            <a:r>
+              <a:rPr lang="zh-CN" altLang="en-US" dirty="0"/>
+              <a:t>许可证取决于要访问的用户或设备数。 访问量小，适合小规模使用。</a:t>
+            </a:r>
+            <a:endParaRPr lang="en-US" altLang="zh-CN" dirty="0"/>
+          </a:p>
+          <a:p>
+            <a:pPr lvl="1"/>
+            <a:endParaRPr lang="en-US" dirty="0"/>
+          </a:p>
+          <a:p>
+            <a:r>
+              <a:rPr lang="zh-CN" altLang="en-US" dirty="0"/>
+              <a:t>价格范围</a:t>
+            </a:r>
+            <a:endParaRPr lang="en-US" altLang="zh-CN" dirty="0"/>
+          </a:p>
+          <a:p>
+            <a:pPr lvl="1"/>
+            <a:r>
+              <a:rPr lang="en-US" dirty="0"/>
+              <a:t>2019</a:t>
+            </a:r>
+            <a:r>
+              <a:rPr lang="zh-CN" altLang="en-US" dirty="0"/>
+              <a:t>企业版无限用户：</a:t>
+            </a:r>
+            <a:r>
+              <a:rPr lang="en-US" altLang="zh-CN" dirty="0"/>
+              <a:t>25000</a:t>
+            </a:r>
+            <a:r>
+              <a:rPr lang="zh-CN" altLang="en-US" dirty="0"/>
+              <a:t>左右</a:t>
+            </a:r>
+            <a:endParaRPr lang="en-US" altLang="zh-CN" dirty="0"/>
+          </a:p>
+          <a:p>
+            <a:pPr lvl="1"/>
+            <a:r>
+              <a:rPr lang="en-US" dirty="0"/>
+              <a:t>2019</a:t>
+            </a:r>
+            <a:r>
+              <a:rPr lang="zh-CN" altLang="en-US" dirty="0"/>
+              <a:t>标准版</a:t>
+            </a:r>
+            <a:r>
+              <a:rPr lang="en-US" altLang="zh-CN" dirty="0"/>
+              <a:t>5</a:t>
+            </a:r>
+            <a:r>
+              <a:rPr lang="zh-CN" altLang="en-US" dirty="0"/>
+              <a:t>用户：</a:t>
+            </a:r>
+            <a:r>
+              <a:rPr lang="en-US" altLang="zh-CN" dirty="0"/>
+              <a:t>3000</a:t>
+            </a:r>
+            <a:r>
+              <a:rPr lang="zh-CN" altLang="en-US" dirty="0"/>
+              <a:t>左右</a:t>
+            </a:r>
+            <a:endParaRPr lang="en-US" dirty="0"/>
+          </a:p>
+        </p:txBody>
+      </p:sp>
+    </p:spTree>
+    <p:extLst>
+      <p:ext uri="{BB962C8B-B14F-4D97-AF65-F5344CB8AC3E}">
+        <p14:creationId xmlns:p14="http://schemas.microsoft.com/office/powerpoint/2010/main" val="199413923"/>
+      </p:ext>
+    </p:extLst>
+  </p:cSld>
+  <p:clrMapOvr>
+    <a:masterClrMapping/>
+  </p:clrMapOvr>
+</p:sld>
+</file>
+
+<file path=ppt/slides/slide2.xml><?xml version="1.0" encoding="utf-8"?>
+<p:sld xmlns:a="http://schemas.openxmlformats.org/drawingml/2006/main" xmlns:r="http://schemas.openxmlformats.org/officeDocument/2006/relationships" xmlns:p="http://schemas.openxmlformats.org/presentationml/2006/main">
+  <p:cSld>
+    <p:spTree>
+      <p:nvGrpSpPr>
+        <p:cNvPr id="1" name=""/>
+        <p:cNvGrpSpPr/>
+        <p:nvPr/>
+      </p:nvGrpSpPr>
+      <p:grpSpPr>
+        <a:xfrm>
+          <a:off x="0" y="0"/>
+          <a:ext cx="0" cy="0"/>
+          <a:chOff x="0" y="0"/>
+          <a:chExt cx="0" cy="0"/>
+        </a:xfrm>
+      </p:grpSpPr>
+      <p:sp>
+        <p:nvSpPr>
+          <p:cNvPr id="2" name="Title 1"/>
+          <p:cNvSpPr>
+            <a:spLocks noGrp="1"/>
+          </p:cNvSpPr>
+          <p:nvPr>
+            <p:ph type="title"/>
+          </p:nvPr>
+        </p:nvSpPr>
+        <p:spPr/>
+        <p:txBody>
+          <a:bodyPr/>
+          <a:lstStyle/>
+          <a:p>
+            <a:r>
+              <a:rPr lang="en-US" dirty="0"/>
+              <a:t>SQL Server</a:t>
+            </a:r>
+            <a:r>
+              <a:rPr lang="zh-CN" altLang="en-US" dirty="0"/>
+              <a:t>历史</a:t>
+            </a:r>
+            <a:endParaRPr lang="en-US" dirty="0"/>
+          </a:p>
+        </p:txBody>
+      </p:sp>
+      <p:sp>
+        <p:nvSpPr>
+          <p:cNvPr id="3" name="Content Placeholder 2"/>
+          <p:cNvSpPr>
+            <a:spLocks noGrp="1"/>
+          </p:cNvSpPr>
+          <p:nvPr>
+            <p:ph idx="1"/>
+          </p:nvPr>
+        </p:nvSpPr>
+        <p:spPr/>
+        <p:txBody>
+          <a:bodyPr>
+            <a:normAutofit fontScale="70000" lnSpcReduction="20000"/>
+          </a:bodyPr>
+          <a:lstStyle/>
+          <a:p>
+            <a:pPr marL="514350" indent="-514350">
+              <a:lnSpc>
+                <a:spcPct val="120000"/>
+              </a:lnSpc>
+              <a:buFont typeface="+mj-lt"/>
+              <a:buAutoNum type="arabicPeriod"/>
+            </a:pPr>
+            <a:r>
+              <a:rPr lang="en-US" altLang="zh-CN" dirty="0"/>
+              <a:t>SQL Server</a:t>
+            </a:r>
+            <a:r>
+              <a:rPr lang="zh-CN" altLang="en-US" dirty="0"/>
+              <a:t>是微软开发的关系数据库管理系统 （</a:t>
+            </a:r>
+            <a:r>
+              <a:rPr lang="en-US" altLang="zh-CN" dirty="0"/>
+              <a:t>RDBMS</a:t>
+            </a:r>
+            <a:r>
+              <a:rPr lang="zh-CN" altLang="en-US" dirty="0"/>
+              <a:t>）的简称，也被称为 </a:t>
+            </a:r>
+            <a:r>
+              <a:rPr lang="en-US" altLang="zh-CN" dirty="0"/>
+              <a:t>MS SQL </a:t>
+            </a:r>
+            <a:r>
+              <a:rPr lang="zh-CN" altLang="en-US" dirty="0"/>
+              <a:t>。</a:t>
+            </a:r>
+            <a:endParaRPr lang="en-US" altLang="zh-CN" dirty="0"/>
+          </a:p>
+          <a:p>
+            <a:pPr marL="514350" indent="-514350">
+              <a:lnSpc>
+                <a:spcPct val="120000"/>
+              </a:lnSpc>
+              <a:buFont typeface="+mj-lt"/>
+              <a:buAutoNum type="arabicPeriod"/>
+            </a:pPr>
+            <a:r>
+              <a:rPr lang="zh-CN" altLang="en-US" dirty="0"/>
+              <a:t>支持查询语言是 </a:t>
+            </a:r>
+            <a:r>
+              <a:rPr lang="en-US" altLang="zh-CN" dirty="0"/>
+              <a:t>T-SQL </a:t>
+            </a:r>
+            <a:r>
+              <a:rPr lang="zh-CN" altLang="en-US" dirty="0"/>
+              <a:t>和 </a:t>
+            </a:r>
+            <a:r>
+              <a:rPr lang="en-US" altLang="zh-CN" dirty="0"/>
+              <a:t>ANSI SQL</a:t>
+            </a:r>
+            <a:r>
+              <a:rPr lang="zh-CN" altLang="en-US" dirty="0"/>
+              <a:t>。</a:t>
+            </a:r>
+            <a:endParaRPr lang="en-US" altLang="zh-CN" dirty="0"/>
+          </a:p>
+          <a:p>
+            <a:pPr marL="514350" indent="-514350">
+              <a:lnSpc>
+                <a:spcPct val="120000"/>
+              </a:lnSpc>
+              <a:buFont typeface="+mj-lt"/>
+              <a:buAutoNum type="arabicPeriod"/>
+            </a:pPr>
+            <a:r>
+              <a:rPr lang="zh-CN" altLang="en-US" dirty="0"/>
+              <a:t>第一个版本</a:t>
+            </a:r>
+            <a:r>
+              <a:rPr lang="en-US" altLang="zh-CN" dirty="0"/>
+              <a:t>(</a:t>
+            </a:r>
+            <a:r>
+              <a:rPr lang="en-US" dirty="0"/>
+              <a:t>SQL Server 1.0)</a:t>
+            </a:r>
+            <a:r>
+              <a:rPr lang="zh-CN" altLang="en-US" dirty="0"/>
+              <a:t>发布于</a:t>
+            </a:r>
+            <a:r>
+              <a:rPr lang="en-US" altLang="zh-CN" dirty="0"/>
+              <a:t>1989</a:t>
+            </a:r>
+            <a:r>
+              <a:rPr lang="zh-CN" altLang="en-US" dirty="0"/>
+              <a:t>年</a:t>
+            </a:r>
+            <a:r>
+              <a:rPr lang="en-US" altLang="zh-CN" dirty="0"/>
+              <a:t>4</a:t>
+            </a:r>
+            <a:r>
+              <a:rPr lang="zh-CN" altLang="en-US" dirty="0"/>
+              <a:t>月</a:t>
+            </a:r>
+            <a:r>
+              <a:rPr lang="en-US" altLang="zh-CN" dirty="0"/>
+              <a:t>24</a:t>
+            </a:r>
+            <a:r>
+              <a:rPr lang="zh-CN" altLang="en-US" dirty="0"/>
+              <a:t>日 ，目前最新版本为</a:t>
+            </a:r>
+            <a:r>
+              <a:rPr lang="en-US" altLang="zh-CN" dirty="0"/>
+              <a:t>SQL Server 2022</a:t>
+            </a:r>
+            <a:r>
+              <a:rPr lang="zh-CN" altLang="en-US" dirty="0"/>
+              <a:t>，它是目前支持 </a:t>
+            </a:r>
+            <a:r>
+              <a:rPr lang="en-US" altLang="zh-CN" dirty="0"/>
+              <a:t>Azure</a:t>
+            </a:r>
+            <a:r>
+              <a:rPr lang="zh-CN" altLang="en-US" dirty="0"/>
+              <a:t>功能最多的版本，并在性能、安全性和可用性方面继续创新。</a:t>
+            </a:r>
+            <a:endParaRPr lang="en-US" altLang="zh-CN" dirty="0"/>
+          </a:p>
+          <a:p>
+            <a:pPr marL="514350" indent="-514350">
+              <a:lnSpc>
+                <a:spcPct val="120000"/>
+              </a:lnSpc>
+              <a:buFont typeface="+mj-lt"/>
+              <a:buAutoNum type="arabicPeriod"/>
+            </a:pPr>
+            <a:r>
+              <a:rPr lang="en-US" altLang="zh-CN" dirty="0"/>
+              <a:t>SQL Server </a:t>
+            </a:r>
+            <a:r>
+              <a:rPr lang="zh-CN" altLang="en-US" dirty="0"/>
+              <a:t>提供了一种称为 </a:t>
+            </a:r>
+            <a:r>
+              <a:rPr lang="en-US" altLang="zh-CN" dirty="0"/>
+              <a:t>SSMS</a:t>
+            </a:r>
+            <a:r>
+              <a:rPr lang="zh-CN" altLang="en-US" dirty="0"/>
+              <a:t>的数据库管理工具，使新手能够轻松管理和操作数据库。</a:t>
+            </a:r>
+            <a:endParaRPr lang="en-US" altLang="zh-CN" dirty="0"/>
+          </a:p>
+          <a:p>
+            <a:pPr marL="514350" indent="-514350">
+              <a:lnSpc>
+                <a:spcPct val="120000"/>
+              </a:lnSpc>
+              <a:buFont typeface="+mj-lt"/>
+              <a:buAutoNum type="arabicPeriod"/>
+            </a:pPr>
+            <a:r>
+              <a:rPr lang="zh-CN" altLang="en-US" dirty="0"/>
+              <a:t>它具有商业智能 （</a:t>
+            </a:r>
+            <a:r>
+              <a:rPr lang="en-US" altLang="zh-CN" dirty="0"/>
+              <a:t>BI</a:t>
+            </a:r>
+            <a:r>
+              <a:rPr lang="zh-CN" altLang="en-US" dirty="0"/>
+              <a:t>） 和数据挖掘功能，如 </a:t>
+            </a:r>
+            <a:r>
+              <a:rPr lang="en-US" altLang="zh-CN" dirty="0"/>
+              <a:t>OLAP </a:t>
+            </a:r>
+            <a:r>
+              <a:rPr lang="zh-CN" altLang="en-US" dirty="0"/>
+              <a:t>和多维分析。</a:t>
+            </a:r>
+            <a:endParaRPr lang="en-US" altLang="zh-CN" dirty="0"/>
+          </a:p>
+          <a:p>
+            <a:pPr marL="514350" indent="-514350">
+              <a:lnSpc>
+                <a:spcPct val="120000"/>
+              </a:lnSpc>
+              <a:buFont typeface="+mj-lt"/>
+              <a:buAutoNum type="arabicPeriod"/>
+            </a:pPr>
+            <a:r>
+              <a:rPr lang="zh-CN" altLang="en-US" dirty="0"/>
+              <a:t>从</a:t>
+            </a:r>
+            <a:r>
+              <a:rPr lang="en-US" altLang="zh-CN" dirty="0"/>
+              <a:t>SQL Server 2016</a:t>
+            </a:r>
+            <a:r>
+              <a:rPr lang="zh-CN" altLang="en-US" dirty="0"/>
+              <a:t>开始仅支持</a:t>
+            </a:r>
+            <a:r>
+              <a:rPr lang="en-US" altLang="zh-CN" dirty="0"/>
+              <a:t>64</a:t>
+            </a:r>
+            <a:r>
+              <a:rPr lang="zh-CN" altLang="en-US" dirty="0"/>
+              <a:t>位操作系统。</a:t>
+            </a:r>
+            <a:endParaRPr lang="en-US" altLang="zh-CN" dirty="0"/>
+          </a:p>
+          <a:p>
+            <a:pPr marL="514350" indent="-514350">
+              <a:lnSpc>
+                <a:spcPct val="120000"/>
+              </a:lnSpc>
+              <a:buFont typeface="+mj-lt"/>
+              <a:buAutoNum type="arabicPeriod"/>
+            </a:pPr>
+            <a:r>
+              <a:rPr lang="zh-CN" altLang="en-US" dirty="0"/>
+              <a:t>从 </a:t>
+            </a:r>
+            <a:r>
+              <a:rPr lang="en-US" dirty="0"/>
+              <a:t>SQL Server 2017</a:t>
+            </a:r>
+            <a:r>
+              <a:rPr lang="zh-CN" altLang="en-US" dirty="0"/>
+              <a:t>开始支持</a:t>
+            </a:r>
+            <a:r>
+              <a:rPr lang="en-US" altLang="zh-CN" dirty="0"/>
+              <a:t>Linux</a:t>
+            </a:r>
+            <a:r>
+              <a:rPr lang="zh-CN" altLang="en-US" dirty="0"/>
+              <a:t>下安装部署，真正跨平台的数据库系统。</a:t>
+            </a:r>
+            <a:endParaRPr lang="en-US" dirty="0"/>
+          </a:p>
+        </p:txBody>
+      </p:sp>
+    </p:spTree>
+    <p:extLst>
+      <p:ext uri="{BB962C8B-B14F-4D97-AF65-F5344CB8AC3E}">
+        <p14:creationId xmlns:p14="http://schemas.microsoft.com/office/powerpoint/2010/main" val="2078214271"/>
+      </p:ext>
+    </p:extLst>
+  </p:cSld>
+  <p:clrMapOvr>
+    <a:masterClrMapping/>
+  </p:clrMapOvr>
+</p:sld>
+</file>
+
+<file path=ppt/slides/slide3.xml><?xml version="1.0" encoding="utf-8"?>
+<p:sld xmlns:a="http://schemas.openxmlformats.org/drawingml/2006/main" xmlns:r="http://schemas.openxmlformats.org/officeDocument/2006/relationships" xmlns:p="http://schemas.openxmlformats.org/presentationml/2006/main">
+  <p:cSld>
+    <p:spTree>
+      <p:nvGrpSpPr>
+        <p:cNvPr id="1" name=""/>
+        <p:cNvGrpSpPr/>
+        <p:nvPr/>
+      </p:nvGrpSpPr>
+      <p:grpSpPr>
+        <a:xfrm>
+          <a:off x="0" y="0"/>
+          <a:ext cx="0" cy="0"/>
+          <a:chOff x="0" y="0"/>
+          <a:chExt cx="0" cy="0"/>
+        </a:xfrm>
+      </p:grpSpPr>
+      <p:sp>
+        <p:nvSpPr>
+          <p:cNvPr id="2" name="标题 1">
+            <a:extLst>
+              <a:ext uri="{FF2B5EF4-FFF2-40B4-BE49-F238E27FC236}">
+                <a16:creationId xmlns:a16="http://schemas.microsoft.com/office/drawing/2014/main" id="{1FBEED15-B5FA-CA98-7256-7B5754CF8C71}"/>
+              </a:ext>
+            </a:extLst>
+          </p:cNvPr>
+          <p:cNvSpPr>
+            <a:spLocks noGrp="1"/>
+          </p:cNvSpPr>
+          <p:nvPr>
+            <p:ph type="title"/>
+          </p:nvPr>
+        </p:nvSpPr>
+        <p:spPr/>
+        <p:txBody>
+          <a:bodyPr/>
+          <a:lstStyle/>
+          <a:p>
+            <a:r>
+              <a:rPr lang="en-US" altLang="zh-CN" dirty="0"/>
+              <a:t>SQL Server</a:t>
+            </a:r>
+            <a:r>
+              <a:rPr lang="zh-CN" altLang="en-US" dirty="0"/>
+              <a:t>相关组件及服务</a:t>
+            </a:r>
+          </a:p>
+        </p:txBody>
+      </p:sp>
+      <p:sp>
+        <p:nvSpPr>
+          <p:cNvPr id="3" name="内容占位符 2">
+            <a:extLst>
+              <a:ext uri="{FF2B5EF4-FFF2-40B4-BE49-F238E27FC236}">
+                <a16:creationId xmlns:a16="http://schemas.microsoft.com/office/drawing/2014/main" id="{28FCD1AB-F605-32B4-4F01-40C32824DC3A}"/>
+              </a:ext>
+            </a:extLst>
+          </p:cNvPr>
+          <p:cNvSpPr>
+            <a:spLocks noGrp="1"/>
+          </p:cNvSpPr>
+          <p:nvPr>
+            <p:ph idx="1"/>
+          </p:nvPr>
+        </p:nvSpPr>
+        <p:spPr/>
+        <p:txBody>
+          <a:bodyPr>
+            <a:normAutofit fontScale="92500"/>
+          </a:bodyPr>
+          <a:lstStyle/>
+          <a:p>
+            <a:r>
+              <a:rPr lang="en-US" altLang="zh-CN" dirty="0"/>
+              <a:t>SQL Server </a:t>
+            </a:r>
+            <a:r>
+              <a:rPr lang="zh-CN" altLang="en-US" dirty="0"/>
+              <a:t>服务</a:t>
+            </a:r>
+            <a:r>
+              <a:rPr lang="en-US" altLang="zh-CN" dirty="0"/>
+              <a:t>(</a:t>
+            </a:r>
+            <a:r>
+              <a:rPr lang="zh-CN" altLang="en-US" dirty="0"/>
+              <a:t>数据库引擎</a:t>
+            </a:r>
+            <a:r>
+              <a:rPr lang="en-US" altLang="zh-CN" dirty="0"/>
+              <a:t>) – </a:t>
+            </a:r>
+            <a:r>
+              <a:rPr lang="zh-CN" altLang="en-US" dirty="0"/>
+              <a:t>核心服务，数据存储、管理和实时查询处理</a:t>
+            </a:r>
+          </a:p>
+          <a:p>
+            <a:r>
+              <a:rPr lang="en-US" altLang="zh-CN" dirty="0"/>
+              <a:t>SQL Server</a:t>
+            </a:r>
+            <a:r>
+              <a:rPr lang="zh-CN" altLang="en-US" dirty="0"/>
+              <a:t>代理</a:t>
+            </a:r>
+            <a:r>
+              <a:rPr lang="en-US" altLang="zh-CN" dirty="0"/>
+              <a:t>(Agent) - </a:t>
+            </a:r>
+            <a:r>
+              <a:rPr lang="zh-CN" altLang="en-US" dirty="0"/>
+              <a:t>与关系型引擎一起提供的调度和通知引擎</a:t>
+            </a:r>
+          </a:p>
+          <a:p>
+            <a:r>
+              <a:rPr lang="en-US" altLang="zh-CN" dirty="0"/>
+              <a:t>SQL</a:t>
+            </a:r>
+            <a:r>
+              <a:rPr lang="zh-CN" altLang="en-US" dirty="0"/>
+              <a:t>服务器集成服务</a:t>
+            </a:r>
+            <a:r>
+              <a:rPr lang="en-US" altLang="zh-CN" dirty="0"/>
+              <a:t>(SSIS) - </a:t>
+            </a:r>
+            <a:r>
+              <a:rPr lang="zh-CN" altLang="en-US" dirty="0"/>
+              <a:t>执行数据的导出、导入、转换和加载</a:t>
+            </a:r>
+          </a:p>
+          <a:p>
+            <a:r>
+              <a:rPr lang="en-US" altLang="zh-CN" dirty="0"/>
+              <a:t>SQL Server Reporting Services (SSRS) - </a:t>
+            </a:r>
+            <a:r>
+              <a:rPr lang="zh-CN" altLang="en-US" dirty="0"/>
+              <a:t>报告编写、管理和交付工具集</a:t>
+            </a:r>
+          </a:p>
+          <a:p>
+            <a:r>
+              <a:rPr lang="en-US" altLang="zh-CN" dirty="0"/>
+              <a:t>SQL</a:t>
+            </a:r>
+            <a:r>
+              <a:rPr lang="zh-CN" altLang="en-US" dirty="0"/>
+              <a:t>服务器分析服务</a:t>
+            </a:r>
+            <a:r>
+              <a:rPr lang="en-US" altLang="zh-CN" dirty="0"/>
+              <a:t>(SSAS) - </a:t>
+            </a:r>
+            <a:r>
+              <a:rPr lang="zh-CN" altLang="en-US" dirty="0"/>
+              <a:t>为商业智能建立、管理、分析、聚合和卷积数据</a:t>
+            </a:r>
+          </a:p>
+          <a:p>
+            <a:r>
+              <a:rPr lang="en-US" altLang="zh-CN" dirty="0"/>
+              <a:t>Power BI - </a:t>
+            </a:r>
+            <a:r>
+              <a:rPr lang="zh-CN" altLang="en-US" dirty="0"/>
+              <a:t>具有桌面和云端版本的</a:t>
+            </a:r>
+            <a:r>
+              <a:rPr lang="en-US" altLang="zh-CN" dirty="0"/>
+              <a:t>BI</a:t>
+            </a:r>
+            <a:r>
+              <a:rPr lang="zh-CN" altLang="en-US" dirty="0"/>
+              <a:t>报表工具</a:t>
+            </a:r>
+          </a:p>
+        </p:txBody>
+      </p:sp>
+    </p:spTree>
+    <p:extLst>
+      <p:ext uri="{BB962C8B-B14F-4D97-AF65-F5344CB8AC3E}">
+        <p14:creationId xmlns:p14="http://schemas.microsoft.com/office/powerpoint/2010/main" val="156607709"/>
+      </p:ext>
+    </p:extLst>
+  </p:cSld>
+  <p:clrMapOvr>
+    <a:masterClrMapping/>
+  </p:clrMapOvr>
+</p:sld>
+</file>
+
+<file path=ppt/slides/slide4.xml><?xml version="1.0" encoding="utf-8"?>
+<p:sld xmlns:a="http://schemas.openxmlformats.org/drawingml/2006/main" xmlns:r="http://schemas.openxmlformats.org/officeDocument/2006/relationships" xmlns:p="http://schemas.openxmlformats.org/presentationml/2006/main">
+  <p:cSld>
+    <p:spTree>
+      <p:nvGrpSpPr>
+        <p:cNvPr id="1" name=""/>
+        <p:cNvGrpSpPr/>
+        <p:nvPr/>
+      </p:nvGrpSpPr>
+      <p:grpSpPr>
+        <a:xfrm>
+          <a:off x="0" y="0"/>
+          <a:ext cx="0" cy="0"/>
+          <a:chOff x="0" y="0"/>
+          <a:chExt cx="0" cy="0"/>
+        </a:xfrm>
+      </p:grpSpPr>
+      <p:sp>
+        <p:nvSpPr>
+          <p:cNvPr id="2" name="标题 1">
+            <a:extLst>
+              <a:ext uri="{FF2B5EF4-FFF2-40B4-BE49-F238E27FC236}">
+                <a16:creationId xmlns:a16="http://schemas.microsoft.com/office/drawing/2014/main" id="{1CB2B7E1-5D60-6D0F-C2F8-26955F10F233}"/>
+              </a:ext>
+            </a:extLst>
+          </p:cNvPr>
+          <p:cNvSpPr>
+            <a:spLocks noGrp="1"/>
+          </p:cNvSpPr>
+          <p:nvPr>
+            <p:ph type="title"/>
+          </p:nvPr>
+        </p:nvSpPr>
+        <p:spPr/>
+        <p:txBody>
+          <a:bodyPr/>
+          <a:lstStyle/>
+          <a:p>
+            <a:r>
+              <a:rPr lang="en-US" altLang="zh-CN" dirty="0"/>
+              <a:t>SQL Server</a:t>
+            </a:r>
+            <a:r>
+              <a:rPr lang="zh-CN" altLang="en-US" dirty="0"/>
+              <a:t>额外的功能</a:t>
+            </a:r>
+          </a:p>
+        </p:txBody>
+      </p:sp>
+      <p:sp>
+        <p:nvSpPr>
+          <p:cNvPr id="3" name="内容占位符 2">
+            <a:extLst>
+              <a:ext uri="{FF2B5EF4-FFF2-40B4-BE49-F238E27FC236}">
+                <a16:creationId xmlns:a16="http://schemas.microsoft.com/office/drawing/2014/main" id="{3AC25B53-4D69-0CF4-C053-A80B0D133EEF}"/>
+              </a:ext>
+            </a:extLst>
+          </p:cNvPr>
+          <p:cNvSpPr>
+            <a:spLocks noGrp="1"/>
+          </p:cNvSpPr>
+          <p:nvPr>
+            <p:ph idx="1"/>
+          </p:nvPr>
+        </p:nvSpPr>
+        <p:spPr/>
+        <p:txBody>
+          <a:bodyPr/>
+          <a:lstStyle/>
+          <a:p>
+            <a:r>
+              <a:rPr lang="zh-CN" altLang="en-US" dirty="0"/>
+              <a:t>备份和恢复</a:t>
+            </a:r>
+            <a:r>
+              <a:rPr lang="en-US" altLang="zh-CN" dirty="0"/>
+              <a:t>--</a:t>
+            </a:r>
+            <a:r>
+              <a:rPr lang="zh-CN" altLang="en-US" dirty="0"/>
+              <a:t>能够根据灾难恢复的需要对数据库进行备份和恢复</a:t>
+            </a:r>
+          </a:p>
+          <a:p>
+            <a:r>
+              <a:rPr lang="zh-CN" altLang="en-US" dirty="0"/>
+              <a:t>全文搜索</a:t>
+            </a:r>
+            <a:r>
+              <a:rPr lang="en-US" altLang="zh-CN" dirty="0"/>
+              <a:t>--</a:t>
+            </a:r>
+            <a:r>
+              <a:rPr lang="zh-CN" altLang="en-US" dirty="0"/>
+              <a:t>能够创建一个目录以改善复杂的自由形式的查询</a:t>
+            </a:r>
+          </a:p>
+          <a:p>
+            <a:r>
+              <a:rPr lang="zh-CN" altLang="en-US" dirty="0"/>
+              <a:t>服务代理 </a:t>
+            </a:r>
+            <a:r>
+              <a:rPr lang="en-US" altLang="zh-CN" dirty="0"/>
+              <a:t>- </a:t>
+            </a:r>
+            <a:r>
+              <a:rPr lang="zh-CN" altLang="en-US" dirty="0"/>
+              <a:t>数据库引擎内部基于队列的技术</a:t>
+            </a:r>
+          </a:p>
+          <a:p>
+            <a:r>
+              <a:rPr lang="zh-CN" altLang="en-US" dirty="0"/>
+              <a:t>可用性组</a:t>
+            </a:r>
+            <a:r>
+              <a:rPr lang="en-US" altLang="zh-CN" dirty="0"/>
+              <a:t>--</a:t>
+            </a:r>
+            <a:r>
+              <a:rPr lang="zh-CN" altLang="en-US" dirty="0"/>
+              <a:t>维护完整数据库的多个副本的高可用性工具</a:t>
+            </a:r>
+          </a:p>
+          <a:p>
+            <a:r>
+              <a:rPr lang="zh-CN" altLang="en-US" dirty="0"/>
+              <a:t>复制 </a:t>
+            </a:r>
+            <a:r>
+              <a:rPr lang="en-US" altLang="zh-CN" dirty="0"/>
+              <a:t>- </a:t>
+            </a:r>
+            <a:r>
+              <a:rPr lang="zh-CN" altLang="en-US" dirty="0"/>
+              <a:t>能够将数据库的一部分复制到多个</a:t>
+            </a:r>
+            <a:r>
+              <a:rPr lang="en-US" altLang="zh-CN" dirty="0"/>
+              <a:t>SQL</a:t>
+            </a:r>
+            <a:r>
+              <a:rPr lang="zh-CN" altLang="en-US" dirty="0"/>
+              <a:t>服务器上</a:t>
+            </a:r>
+          </a:p>
+          <a:p>
+            <a:r>
+              <a:rPr lang="zh-CN" altLang="en-US" dirty="0"/>
+              <a:t>维护 </a:t>
+            </a:r>
+            <a:r>
+              <a:rPr lang="en-US" altLang="zh-CN" dirty="0"/>
+              <a:t>- </a:t>
+            </a:r>
+            <a:r>
+              <a:rPr lang="zh-CN" altLang="en-US" dirty="0"/>
+              <a:t>能够重建索引、统计等，以改善数据访问和性能。</a:t>
+            </a:r>
+          </a:p>
+        </p:txBody>
+      </p:sp>
+    </p:spTree>
+    <p:extLst>
+      <p:ext uri="{BB962C8B-B14F-4D97-AF65-F5344CB8AC3E}">
+        <p14:creationId xmlns:p14="http://schemas.microsoft.com/office/powerpoint/2010/main" val="2954295273"/>
+      </p:ext>
+    </p:extLst>
+  </p:cSld>
+  <p:clrMapOvr>
+    <a:masterClrMapping/>
+  </p:clrMapOvr>
+</p:sld>
+</file>
+
+<file path=ppt/slides/slide5.xml><?xml version="1.0" encoding="utf-8"?>
+<p:sld xmlns:a="http://schemas.openxmlformats.org/drawingml/2006/main" xmlns:r="http://schemas.openxmlformats.org/officeDocument/2006/relationships" xmlns:p="http://schemas.openxmlformats.org/presentationml/2006/main">
+  <p:cSld>
+    <p:spTree>
+      <p:nvGrpSpPr>
+        <p:cNvPr id="1" name=""/>
+        <p:cNvGrpSpPr/>
+        <p:nvPr/>
+      </p:nvGrpSpPr>
+      <p:grpSpPr>
+        <a:xfrm>
+          <a:off x="0" y="0"/>
+          <a:ext cx="0" cy="0"/>
+          <a:chOff x="0" y="0"/>
+          <a:chExt cx="0" cy="0"/>
+        </a:xfrm>
+      </p:grpSpPr>
+      <p:sp>
+        <p:nvSpPr>
+          <p:cNvPr id="2" name="标题 1">
+            <a:extLst>
+              <a:ext uri="{FF2B5EF4-FFF2-40B4-BE49-F238E27FC236}">
+                <a16:creationId xmlns:a16="http://schemas.microsoft.com/office/drawing/2014/main" id="{F3379709-9310-3702-B923-E234DE98BA94}"/>
+              </a:ext>
+            </a:extLst>
+          </p:cNvPr>
+          <p:cNvSpPr>
+            <a:spLocks noGrp="1"/>
+          </p:cNvSpPr>
+          <p:nvPr>
+            <p:ph type="title"/>
+          </p:nvPr>
+        </p:nvSpPr>
+        <p:spPr/>
+        <p:txBody>
+          <a:bodyPr/>
+          <a:lstStyle/>
+          <a:p>
+            <a:r>
+              <a:rPr lang="zh-CN" altLang="en-US" dirty="0"/>
+              <a:t>数据库类型</a:t>
+            </a:r>
+          </a:p>
+        </p:txBody>
+      </p:sp>
+      <p:sp>
+        <p:nvSpPr>
+          <p:cNvPr id="3" name="内容占位符 2">
+            <a:extLst>
+              <a:ext uri="{FF2B5EF4-FFF2-40B4-BE49-F238E27FC236}">
+                <a16:creationId xmlns:a16="http://schemas.microsoft.com/office/drawing/2014/main" id="{D4B5F9CB-079B-D0D4-B7F4-FEDBEFC47B9D}"/>
+              </a:ext>
+            </a:extLst>
+          </p:cNvPr>
+          <p:cNvSpPr>
+            <a:spLocks noGrp="1"/>
+          </p:cNvSpPr>
+          <p:nvPr>
+            <p:ph idx="1"/>
+          </p:nvPr>
+        </p:nvSpPr>
+        <p:spPr/>
+        <p:txBody>
+          <a:bodyPr/>
+          <a:lstStyle/>
+          <a:p>
+            <a:r>
+              <a:rPr lang="zh-CN" altLang="en-US" dirty="0"/>
+              <a:t>系统数据库 </a:t>
+            </a:r>
+            <a:r>
+              <a:rPr lang="en-US" altLang="zh-CN" dirty="0"/>
+              <a:t>– </a:t>
+            </a:r>
+            <a:r>
+              <a:rPr lang="zh-CN" altLang="en-US" dirty="0"/>
+              <a:t>用于管理</a:t>
+            </a:r>
+            <a:r>
+              <a:rPr lang="en-US" altLang="zh-CN" dirty="0"/>
+              <a:t>SQL Server</a:t>
+            </a:r>
+          </a:p>
+          <a:p>
+            <a:pPr lvl="1"/>
+            <a:r>
+              <a:rPr lang="en-US" altLang="zh-CN" dirty="0"/>
+              <a:t>Master</a:t>
+            </a:r>
+          </a:p>
+          <a:p>
+            <a:pPr lvl="1"/>
+            <a:r>
+              <a:rPr lang="en-US" altLang="zh-CN" dirty="0"/>
+              <a:t>Model</a:t>
+            </a:r>
+          </a:p>
+          <a:p>
+            <a:pPr lvl="1"/>
+            <a:r>
+              <a:rPr lang="en-US" altLang="zh-CN" dirty="0"/>
+              <a:t>MSDB – </a:t>
+            </a:r>
+            <a:r>
+              <a:rPr lang="zh-CN" altLang="en-US" dirty="0"/>
+              <a:t>示例数据库</a:t>
+            </a:r>
+            <a:endParaRPr lang="en-US" altLang="zh-CN" dirty="0"/>
+          </a:p>
+          <a:p>
+            <a:pPr lvl="1"/>
+            <a:r>
+              <a:rPr lang="en-US" altLang="zh-CN" dirty="0" err="1"/>
+              <a:t>TempDB</a:t>
+            </a:r>
+            <a:endParaRPr lang="en-US" altLang="zh-CN" dirty="0"/>
+          </a:p>
+          <a:p>
+            <a:r>
+              <a:rPr lang="zh-CN" altLang="en-US" dirty="0"/>
+              <a:t>用户数据库 </a:t>
+            </a:r>
+            <a:r>
+              <a:rPr lang="en-US" altLang="zh-CN" dirty="0"/>
+              <a:t>– </a:t>
+            </a:r>
+            <a:r>
+              <a:rPr lang="zh-CN" altLang="en-US" dirty="0"/>
+              <a:t>满足用户业务需要</a:t>
+            </a:r>
+            <a:endParaRPr lang="en-US" altLang="zh-CN" dirty="0"/>
+          </a:p>
+          <a:p>
+            <a:pPr lvl="1"/>
+            <a:r>
+              <a:rPr lang="zh-CN" altLang="en-US" dirty="0"/>
+              <a:t>你开始学习</a:t>
+            </a:r>
+            <a:r>
+              <a:rPr lang="en-US" altLang="zh-CN" dirty="0"/>
+              <a:t>SQL Server</a:t>
+            </a:r>
+            <a:r>
+              <a:rPr lang="zh-CN" altLang="en-US" dirty="0"/>
+              <a:t>的第一个地方。</a:t>
+            </a:r>
+            <a:endParaRPr lang="en-US" altLang="zh-CN" dirty="0"/>
+          </a:p>
+          <a:p>
+            <a:pPr lvl="1"/>
+            <a:r>
+              <a:rPr lang="zh-CN" altLang="en-US" dirty="0"/>
+              <a:t>一般来说，你将花大部分时间在这里。</a:t>
+            </a:r>
+          </a:p>
+        </p:txBody>
+      </p:sp>
+    </p:spTree>
+    <p:extLst>
+      <p:ext uri="{BB962C8B-B14F-4D97-AF65-F5344CB8AC3E}">
+        <p14:creationId xmlns:p14="http://schemas.microsoft.com/office/powerpoint/2010/main" val="554114748"/>
+      </p:ext>
+    </p:extLst>
+  </p:cSld>
+  <p:clrMapOvr>
+    <a:masterClrMapping/>
+  </p:clrMapOvr>
+</p:sld>
+</file>
+
+<file path=ppt/slides/slide6.xml><?xml version="1.0" encoding="utf-8"?>
+<p:sld xmlns:a="http://schemas.openxmlformats.org/drawingml/2006/main" xmlns:r="http://schemas.openxmlformats.org/officeDocument/2006/relationships" xmlns:p="http://schemas.openxmlformats.org/presentationml/2006/main">
+  <p:cSld>
+    <p:spTree>
+      <p:nvGrpSpPr>
+        <p:cNvPr id="1" name=""/>
+        <p:cNvGrpSpPr/>
+        <p:nvPr/>
+      </p:nvGrpSpPr>
+      <p:grpSpPr>
+        <a:xfrm>
+          <a:off x="0" y="0"/>
+          <a:ext cx="0" cy="0"/>
+          <a:chOff x="0" y="0"/>
+          <a:chExt cx="0" cy="0"/>
+        </a:xfrm>
+      </p:grpSpPr>
+      <p:sp>
+        <p:nvSpPr>
+          <p:cNvPr id="2" name="标题 1">
+            <a:extLst>
+              <a:ext uri="{FF2B5EF4-FFF2-40B4-BE49-F238E27FC236}">
+                <a16:creationId xmlns:a16="http://schemas.microsoft.com/office/drawing/2014/main" id="{D4FA4C28-D227-2D22-A389-08393AEA37AE}"/>
+              </a:ext>
+            </a:extLst>
+          </p:cNvPr>
+          <p:cNvSpPr>
+            <a:spLocks noGrp="1"/>
+          </p:cNvSpPr>
+          <p:nvPr>
+            <p:ph type="title"/>
+          </p:nvPr>
+        </p:nvSpPr>
+        <p:spPr/>
+        <p:txBody>
+          <a:bodyPr/>
+          <a:lstStyle/>
+          <a:p>
+            <a:r>
+              <a:rPr lang="en-US" altLang="zh-CN" dirty="0"/>
+              <a:t>SQL Server</a:t>
+            </a:r>
+            <a:r>
+              <a:rPr lang="zh-CN" altLang="en-US" dirty="0"/>
+              <a:t>数据库是什么</a:t>
+            </a:r>
+          </a:p>
+        </p:txBody>
+      </p:sp>
+      <p:sp>
+        <p:nvSpPr>
+          <p:cNvPr id="3" name="内容占位符 2">
+            <a:extLst>
+              <a:ext uri="{FF2B5EF4-FFF2-40B4-BE49-F238E27FC236}">
+                <a16:creationId xmlns:a16="http://schemas.microsoft.com/office/drawing/2014/main" id="{BE4EC1A1-1284-E559-1AA5-818A05BF11A9}"/>
+              </a:ext>
+            </a:extLst>
+          </p:cNvPr>
+          <p:cNvSpPr>
+            <a:spLocks noGrp="1"/>
+          </p:cNvSpPr>
+          <p:nvPr>
+            <p:ph idx="1"/>
+          </p:nvPr>
+        </p:nvSpPr>
+        <p:spPr/>
+        <p:txBody>
+          <a:bodyPr/>
+          <a:lstStyle/>
+          <a:p>
+            <a:r>
+              <a:rPr lang="en-US" altLang="zh-CN" dirty="0"/>
+              <a:t>SQL Server</a:t>
+            </a:r>
+            <a:r>
+              <a:rPr lang="zh-CN" altLang="en-US" dirty="0"/>
+              <a:t>数据库是由表、代码、索引、安全等组成的。</a:t>
+            </a:r>
+            <a:endParaRPr lang="en-US" altLang="zh-CN" dirty="0"/>
+          </a:p>
+          <a:p>
+            <a:pPr lvl="1"/>
+            <a:r>
+              <a:rPr lang="zh-CN" altLang="en-US" dirty="0"/>
+              <a:t>表有存储数据的行和列。</a:t>
+            </a:r>
+            <a:endParaRPr lang="en-US" altLang="zh-CN" dirty="0"/>
+          </a:p>
+          <a:p>
+            <a:pPr lvl="1"/>
+            <a:r>
+              <a:rPr lang="zh-CN" altLang="en-US" dirty="0"/>
+              <a:t>最常见的编码对象是存储过程、视图、函数、参考性完整性、触发器等。</a:t>
+            </a:r>
+            <a:endParaRPr lang="en-US" altLang="zh-CN" dirty="0"/>
+          </a:p>
+          <a:p>
+            <a:pPr lvl="1"/>
+            <a:r>
+              <a:rPr lang="zh-CN" altLang="en-US" dirty="0"/>
+              <a:t>索引是建立在表上的，以改善对数据的访问。</a:t>
+            </a:r>
+            <a:endParaRPr lang="en-US" altLang="zh-CN" dirty="0"/>
+          </a:p>
+          <a:p>
+            <a:pPr lvl="1"/>
+            <a:r>
+              <a:rPr lang="zh-CN" altLang="en-US" dirty="0"/>
+              <a:t>安全性的建立是为了配置对数据的访问和</a:t>
+            </a:r>
+            <a:r>
+              <a:rPr lang="en-US" altLang="zh-CN" dirty="0"/>
+              <a:t>/</a:t>
+            </a:r>
+            <a:r>
+              <a:rPr lang="zh-CN" altLang="en-US" dirty="0"/>
+              <a:t>或执行特定的命令。</a:t>
+            </a:r>
+          </a:p>
+        </p:txBody>
+      </p:sp>
+    </p:spTree>
+    <p:extLst>
+      <p:ext uri="{BB962C8B-B14F-4D97-AF65-F5344CB8AC3E}">
+        <p14:creationId xmlns:p14="http://schemas.microsoft.com/office/powerpoint/2010/main" val="2853748607"/>
+      </p:ext>
+    </p:extLst>
+  </p:cSld>
+  <p:clrMapOvr>
+    <a:masterClrMapping/>
+  </p:clrMapOvr>
+</p:sld>
+</file>
+
+<file path=ppt/slides/slide7.xml><?xml version="1.0" encoding="utf-8"?>
+<p:sld xmlns:a="http://schemas.openxmlformats.org/drawingml/2006/main" xmlns:r="http://schemas.openxmlformats.org/officeDocument/2006/relationships" xmlns:p="http://schemas.openxmlformats.org/presentationml/2006/main">
+  <p:cSld>
+    <p:spTree>
+      <p:nvGrpSpPr>
+        <p:cNvPr id="1" name=""/>
+        <p:cNvGrpSpPr/>
+        <p:nvPr/>
+      </p:nvGrpSpPr>
+      <p:grpSpPr>
+        <a:xfrm>
+          <a:off x="0" y="0"/>
+          <a:ext cx="0" cy="0"/>
+          <a:chOff x="0" y="0"/>
+          <a:chExt cx="0" cy="0"/>
+        </a:xfrm>
+      </p:grpSpPr>
+      <p:sp>
+        <p:nvSpPr>
+          <p:cNvPr id="2" name="标题 1">
+            <a:extLst>
+              <a:ext uri="{FF2B5EF4-FFF2-40B4-BE49-F238E27FC236}">
+                <a16:creationId xmlns:a16="http://schemas.microsoft.com/office/drawing/2014/main" id="{D4FA4C28-D227-2D22-A389-08393AEA37AE}"/>
+              </a:ext>
+            </a:extLst>
+          </p:cNvPr>
+          <p:cNvSpPr>
+            <a:spLocks noGrp="1"/>
+          </p:cNvSpPr>
+          <p:nvPr>
+            <p:ph type="title"/>
+          </p:nvPr>
+        </p:nvSpPr>
+        <p:spPr/>
+        <p:txBody>
+          <a:bodyPr/>
+          <a:lstStyle/>
+          <a:p>
+            <a:r>
+              <a:rPr lang="en-US" altLang="zh-CN" dirty="0"/>
+              <a:t>SQL Server</a:t>
+            </a:r>
+            <a:r>
+              <a:rPr lang="zh-CN" altLang="en-US" dirty="0"/>
+              <a:t>数据库文件</a:t>
+            </a:r>
+          </a:p>
+        </p:txBody>
+      </p:sp>
+      <p:sp>
+        <p:nvSpPr>
+          <p:cNvPr id="3" name="内容占位符 2">
+            <a:extLst>
+              <a:ext uri="{FF2B5EF4-FFF2-40B4-BE49-F238E27FC236}">
+                <a16:creationId xmlns:a16="http://schemas.microsoft.com/office/drawing/2014/main" id="{BE4EC1A1-1284-E559-1AA5-818A05BF11A9}"/>
+              </a:ext>
+            </a:extLst>
+          </p:cNvPr>
+          <p:cNvSpPr>
+            <a:spLocks noGrp="1"/>
+          </p:cNvSpPr>
+          <p:nvPr>
+            <p:ph idx="1"/>
+          </p:nvPr>
+        </p:nvSpPr>
+        <p:spPr/>
+        <p:txBody>
+          <a:bodyPr/>
+          <a:lstStyle/>
+          <a:p>
+            <a:r>
+              <a:rPr lang="en-US" altLang="zh-CN" dirty="0"/>
+              <a:t>SQL Server</a:t>
+            </a:r>
+            <a:r>
+              <a:rPr lang="zh-CN" altLang="en-US" dirty="0"/>
+              <a:t>数据库文件后缀</a:t>
+            </a:r>
+            <a:endParaRPr lang="en-US" altLang="zh-CN" dirty="0"/>
+          </a:p>
+          <a:p>
+            <a:pPr lvl="1"/>
+            <a:r>
+              <a:rPr lang="en-US" altLang="zh-CN" dirty="0"/>
+              <a:t>.</a:t>
+            </a:r>
+            <a:r>
+              <a:rPr lang="en-US" altLang="zh-CN" dirty="0" err="1"/>
+              <a:t>mdf</a:t>
+            </a:r>
+            <a:r>
+              <a:rPr lang="en-US" altLang="zh-CN" dirty="0"/>
+              <a:t> – </a:t>
+            </a:r>
+            <a:r>
+              <a:rPr lang="zh-CN" altLang="en-US" dirty="0"/>
+              <a:t>主记录数据</a:t>
+            </a:r>
+            <a:endParaRPr lang="en-US" altLang="zh-CN" dirty="0"/>
+          </a:p>
+          <a:p>
+            <a:pPr lvl="2"/>
+            <a:r>
+              <a:rPr lang="zh-CN" altLang="en-US" dirty="0"/>
+              <a:t>所有与数据库相关的对象（即表、视图、存储过程等）都存储在这个文件中。</a:t>
+            </a:r>
+            <a:endParaRPr lang="en-US" altLang="zh-CN" dirty="0"/>
+          </a:p>
+          <a:p>
+            <a:pPr lvl="1"/>
+            <a:r>
+              <a:rPr lang="en-US" altLang="zh-CN" dirty="0"/>
+              <a:t>.</a:t>
+            </a:r>
+            <a:r>
+              <a:rPr lang="en-US" altLang="zh-CN" dirty="0" err="1"/>
+              <a:t>ldf</a:t>
+            </a:r>
+            <a:r>
+              <a:rPr lang="en-US" altLang="zh-CN" dirty="0"/>
+              <a:t> – </a:t>
+            </a:r>
+            <a:r>
+              <a:rPr lang="zh-CN" altLang="en-US" dirty="0"/>
+              <a:t>日志数据</a:t>
+            </a:r>
+            <a:endParaRPr lang="en-US" altLang="zh-CN" dirty="0"/>
+          </a:p>
+          <a:p>
+            <a:pPr lvl="2"/>
+            <a:r>
+              <a:rPr lang="zh-CN" altLang="en-US" dirty="0"/>
+              <a:t>交易日志负责存储变化前后的数据版本，以保持数据的完整性。</a:t>
+            </a:r>
+            <a:endParaRPr lang="en-US" altLang="zh-CN" dirty="0"/>
+          </a:p>
+          <a:p>
+            <a:pPr lvl="1"/>
+            <a:r>
+              <a:rPr lang="en-US" altLang="zh-CN" dirty="0"/>
+              <a:t>.</a:t>
+            </a:r>
+            <a:r>
+              <a:rPr lang="en-US" altLang="zh-CN" dirty="0" err="1"/>
+              <a:t>ndf</a:t>
+            </a:r>
+            <a:r>
+              <a:rPr lang="en-US" altLang="zh-CN" dirty="0"/>
+              <a:t> -</a:t>
+            </a:r>
+            <a:r>
+              <a:rPr lang="zh-CN" altLang="en-US" dirty="0"/>
+              <a:t>额外的数据文件</a:t>
+            </a:r>
+            <a:endParaRPr lang="en-US" altLang="zh-CN" dirty="0"/>
+          </a:p>
+          <a:p>
+            <a:pPr lvl="2"/>
+            <a:r>
+              <a:rPr lang="zh-CN" altLang="en-US" dirty="0"/>
+              <a:t>通常用不到的</a:t>
+            </a:r>
+            <a:endParaRPr lang="en-US" altLang="zh-CN" dirty="0"/>
+          </a:p>
+        </p:txBody>
+      </p:sp>
+    </p:spTree>
+    <p:extLst>
+      <p:ext uri="{BB962C8B-B14F-4D97-AF65-F5344CB8AC3E}">
+        <p14:creationId xmlns:p14="http://schemas.microsoft.com/office/powerpoint/2010/main" val="3738523438"/>
+      </p:ext>
+    </p:extLst>
+  </p:cSld>
+  <p:clrMapOvr>
+    <a:masterClrMapping/>
+  </p:clrMapOvr>
+</p:sld>
+</file>
+
 <file path=ppt/slides/slide8.xml><?xml version="1.0" encoding="utf-8"?>
 <p:sld xmlns:a="http://schemas.openxmlformats.org/drawingml/2006/main" xmlns:r="http://schemas.openxmlformats.org/officeDocument/2006/relationships" xmlns:p="http://schemas.openxmlformats.org/presentationml/2006/main">
   <p:cSld>
@@ -30539,7 +31296,7 @@
           <a:p>
             <a:r>
               <a:rPr lang="zh-CN" altLang="en-US" dirty="0"/>
-              <a:t>授权方式及价格</a:t>
+              <a:t>资源推荐</a:t>
             </a:r>
             <a:endParaRPr lang="en-US" dirty="0"/>
           </a:p>
@@ -30557,12 +31314,22 @@
         </p:nvSpPr>
         <p:spPr/>
         <p:txBody>
-          <a:bodyPr/>
+          <a:bodyPr>
+            <a:normAutofit lnSpcReduction="10000"/>
+          </a:bodyPr>
           <a:lstStyle/>
           <a:p>
             <a:r>
               <a:rPr lang="zh-CN" altLang="en-US" dirty="0"/>
-              <a:t>处理器许可证</a:t>
+              <a:t>特别推荐的 </a:t>
+            </a:r>
+            <a:r>
+              <a:rPr lang="en-US" dirty="0"/>
+              <a:t>SQL Server 2022 </a:t>
+            </a:r>
+            <a:r>
+              <a:rPr lang="zh-CN" altLang="en-US" dirty="0"/>
+              <a:t>资源</a:t>
             </a:r>
             <a:endParaRPr lang="en-US" altLang="zh-CN" dirty="0"/>
           </a:p>
@@ -30570,22 +31337,30 @@
             <a:pPr lvl="1"/>
             <a:r>
               <a:rPr lang="zh-CN" altLang="en-US" dirty="0"/>
-              <a:t>许可证取决于安装的物理处理器数。 适用于大量客户端使用的应用。</a:t>
-            </a:r>
-            <a:endParaRPr lang="en-US" altLang="zh-CN" dirty="0"/>
+              <a:t>官网：</a:t>
+            </a:r>
+            <a:r>
+              <a:rPr lang="en-US" altLang="zh-CN" dirty="0">
+                <a:hlinkClick r:id="rId2"/>
+              </a:rPr>
+              <a:t>https://www.microsoft.com/en-us/sql-server/sql-server-2022</a:t>
+            </a:r>
+            <a:r>
+              <a:rPr lang="en-US" altLang="zh-CN" dirty="0"/>
+              <a:t> </a:t>
+            </a:r>
           </a:p>
           <a:p>
+            <a:pPr lvl="1"/>
             <a:r>
               <a:rPr lang="zh-CN" altLang="en-US" dirty="0"/>
-              <a:t>服务器</a:t>
-            </a:r>
-            <a:r>
-              <a:rPr lang="en-US" altLang="zh-CN" dirty="0"/>
-              <a:t>/CAL </a:t>
-            </a:r>
-            <a:r>
-              <a:rPr lang="zh-CN" altLang="en-US" dirty="0"/>
-              <a:t>许可证</a:t>
+              <a:t>文档：</a:t>
+            </a:r>
+            <a:r>
+              <a:rPr lang="en-US" altLang="zh-CN" dirty="0">
+                <a:hlinkClick r:id="rId3"/>
+              </a:rPr>
+              <a:t>https://aka.ms/sqlserver2022docs</a:t>
             </a:r>
             <a:endParaRPr lang="en-US" altLang="zh-CN" dirty="0"/>
           </a:p>
@@ -30593,67 +31368,78 @@
             <a:pPr lvl="1"/>
             <a:r>
               <a:rPr lang="zh-CN" altLang="en-US" dirty="0"/>
-              <a:t>许可证取决于要访问的用户或设备数。 访问量小，适合小规模使用。</a:t>
+              <a:t>视频：</a:t>
+            </a:r>
+            <a:r>
+              <a:rPr lang="en-US" altLang="zh-CN" dirty="0">
+                <a:hlinkClick r:id="rId4"/>
+              </a:rPr>
+              <a:t>http://aka.ms/dataexposed-sqlserver2022</a:t>
+            </a:r>
+            <a:r>
+              <a:rPr lang="en-US" altLang="zh-CN" dirty="0"/>
+              <a:t> </a:t>
+            </a:r>
+          </a:p>
+          <a:p>
+            <a:pPr lvl="1"/>
+            <a:r>
+              <a:rPr lang="en-US" altLang="zh-CN" dirty="0"/>
+              <a:t>SQL Server 2022 </a:t>
+            </a:r>
+            <a:r>
+              <a:rPr lang="zh-CN" altLang="en-US" dirty="0"/>
+              <a:t>公告博客：</a:t>
+            </a:r>
+            <a:r>
+              <a:rPr lang="en-US" altLang="zh-CN" dirty="0">
+                <a:hlinkClick r:id="rId5"/>
+              </a:rPr>
+              <a:t>https://cloudblogs.microsoft.com/sqlserver/2022/11/16/sql-server-2022-is-now-generally-available/</a:t>
             </a:r>
             <a:endParaRPr lang="en-US" altLang="zh-CN" dirty="0"/>
           </a:p>
           <a:p>
             <a:pPr lvl="1"/>
-            <a:endParaRPr lang="en-US" dirty="0"/>
+            <a:r>
+              <a:rPr lang="en-US" dirty="0"/>
+              <a:t>SQL Server 2022 </a:t>
+            </a:r>
+            <a:r>
+              <a:rPr lang="zh-CN" altLang="en-US" dirty="0"/>
+              <a:t>数据表：</a:t>
+            </a:r>
+            <a:r>
+              <a:rPr lang="en-US" altLang="zh-CN" dirty="0">
+                <a:hlinkClick r:id="rId6"/>
+              </a:rPr>
+              <a:t>https://go.microsoft.com/fwlink/p/?linkid=2215302&amp;clcid=0x804&amp;culture=zh-cn&amp;country=cn</a:t>
+            </a:r>
+            <a:r>
+              <a:rPr lang="en-US" altLang="zh-CN" dirty="0"/>
+              <a:t> </a:t>
+            </a:r>
           </a:p>
           <a:p>
+            <a:pPr lvl="1"/>
+            <a:r>
+              <a:rPr lang="en-US" dirty="0"/>
+              <a:t>The SQL Server 2022 Workshop</a:t>
+            </a:r>
             <a:r>
               <a:rPr lang="zh-CN" altLang="en-US" dirty="0"/>
-              <a:t>价格范围</a:t>
+              <a:t>：</a:t>
+            </a:r>
+            <a:r>
+              <a:rPr lang="en-US" altLang="zh-CN" dirty="0">
+                <a:hlinkClick r:id="rId7"/>
+              </a:rPr>
+              <a:t>https://github.com/microsoft/sqlworkshops-sql2022workshop</a:t>
             </a:r>
             <a:endParaRPr lang="en-US" altLang="zh-CN" dirty="0"/>
           </a:p>
           <a:p>
             <a:pPr lvl="1"/>
-            <a:r>
-              <a:rPr lang="en-US" dirty="0"/>
-              <a:t>2019</a:t>
-            </a:r>
-            <a:r>
-              <a:rPr lang="zh-CN" altLang="en-US" dirty="0"/>
-              <a:t>企业版无限用户：</a:t>
-            </a:r>
-            <a:r>
-              <a:rPr lang="en-US" altLang="zh-CN" dirty="0"/>
-              <a:t>25000</a:t>
-            </a:r>
-            <a:r>
-              <a:rPr lang="zh-CN" altLang="en-US" dirty="0"/>
-              <a:t>左右</a:t>
-            </a:r>
-            <a:endParaRPr lang="en-US" altLang="zh-CN" dirty="0"/>
-          </a:p>
-          <a:p>
-            <a:pPr lvl="1"/>
-            <a:r>
-              <a:rPr lang="en-US" dirty="0"/>
-              <a:t>2019</a:t>
-            </a:r>
-            <a:r>
-              <a:rPr lang="zh-CN" altLang="en-US" dirty="0"/>
-              <a:t>标准版</a:t>
-            </a:r>
-            <a:r>
-              <a:rPr lang="en-US" altLang="zh-CN" dirty="0"/>
-              <a:t>5</a:t>
-            </a:r>
-            <a:r>
-              <a:rPr lang="zh-CN" altLang="en-US" dirty="0"/>
-              <a:t>用户：</a:t>
-            </a:r>
-            <a:r>
-              <a:rPr lang="en-US" altLang="zh-CN" dirty="0"/>
-              <a:t>3000</a:t>
-            </a:r>
-            <a:r>
-              <a:rPr lang="zh-CN" altLang="en-US" dirty="0"/>
-              <a:t>左右</a:t>
-            </a:r>
             <a:endParaRPr lang="en-US" dirty="0"/>
           </a:p>
         </p:txBody>
@@ -30661,7 +31447,79 @@
     </p:spTree>
     <p:extLst>
       <p:ext uri="{BB962C8B-B14F-4D97-AF65-F5344CB8AC3E}">
-        <p14:creationId xmlns:p14="http://schemas.microsoft.com/office/powerpoint/2010/main" val="199413923"/>
+        <p14:creationId xmlns:p14="http://schemas.microsoft.com/office/powerpoint/2010/main" val="3702679980"/>
+      </p:ext>
+    </p:extLst>
+  </p:cSld>
+  <p:clrMapOvr>
+    <a:masterClrMapping/>
+  </p:clrMapOvr>
+</p:sld>
+</file>
+
+<file path=ppt/slides/slide9.xml><?xml version="1.0" encoding="utf-8"?>
+<p:sld xmlns:a="http://schemas.openxmlformats.org/drawingml/2006/main" xmlns:r="http://schemas.openxmlformats.org/officeDocument/2006/relationships" xmlns:p="http://schemas.openxmlformats.org/presentationml/2006/main">
+  <p:cSld>
+    <p:spTree>
+      <p:nvGrpSpPr>
+        <p:cNvPr id="1" name=""/>
+        <p:cNvGrpSpPr/>
+        <p:nvPr/>
+      </p:nvGrpSpPr>
+      <p:grpSpPr>
+        <a:xfrm>
+          <a:off x="0" y="0"/>
+          <a:ext cx="0" cy="0"/>
+          <a:chOff x="0" y="0"/>
+          <a:chExt cx="0" cy="0"/>
+        </a:xfrm>
+      </p:grpSpPr>
+      <p:pic>
+        <p:nvPicPr>
+          <p:cNvPr id="3074" name="Picture 2" descr="Diagram showing SQL Server 2022 capabilities."/>
+          <p:cNvPicPr>
+            <a:picLocks noChangeAspect="1" noChangeArrowheads="1"/>
+          </p:cNvPicPr>
+          <p:nvPr/>
+        </p:nvPicPr>
+        <p:blipFill>
+          <a:blip r:embed="rId2">
+            <a:alphaModFix amt="50000"/>
+            <a:extLst>
+              <a:ext uri="{28A0092B-C50C-407E-A947-70E740481C1C}">
+                <a14:useLocalDpi xmlns:a14="http://schemas.microsoft.com/office/drawing/2010/main" val="0"/>
+              </a:ext>
+            </a:extLst>
+          </a:blip>
+          <a:srcRect/>
+          <a:stretch>
+            <a:fillRect/>
+          </a:stretch>
+        </p:blipFill>
+        <p:spPr bwMode="auto">
+          <a:xfrm>
+            <a:off x="1524000" y="190500"/>
+            <a:ext cx="9144000" cy="6477000"/>
+          </a:xfrm>
+          <a:prstGeom prst="rect">
+            <a:avLst/>
+          </a:prstGeom>
+          <a:noFill/>
+          <a:extLst>
+            <a:ext uri="{909E8E84-426E-40DD-AFC4-6F175D3DCCD1}">
+              <a14:hiddenFill xmlns:a14="http://schemas.microsoft.com/office/drawing/2010/main">
+                <a:solidFill>
+                  <a:srgbClr val="FFFFFF"/>
+                </a:solidFill>
+              </a14:hiddenFill>
+            </a:ext>
+          </a:extLst>
+        </p:spPr>
+      </p:pic>
+    </p:spTree>
+    <p:extLst>
+      <p:ext uri="{BB962C8B-B14F-4D97-AF65-F5344CB8AC3E}">
+        <p14:creationId xmlns:p14="http://schemas.microsoft.com/office/powerpoint/2010/main" val="2619470027"/>
       </p:ext>
     </p:extLst>
   </p:cSld>

--- a/旺财学数据库/旺财学SQL Server.pptx
+++ b/旺财学数据库/旺财学SQL Server.pptx
@@ -6,22 +6,23 @@
     <p:sldMasterId id="2147483672" r:id="rId2"/>
   </p:sldMasterIdLst>
   <p:notesMasterIdLst>
-    <p:notesMasterId r:id="rId16"/>
+    <p:notesMasterId r:id="rId17"/>
   </p:notesMasterIdLst>
   <p:sldIdLst>
     <p:sldId id="256" r:id="rId3"/>
-    <p:sldId id="258" r:id="rId4"/>
-    <p:sldId id="264" r:id="rId5"/>
-    <p:sldId id="268" r:id="rId6"/>
-    <p:sldId id="265" r:id="rId7"/>
-    <p:sldId id="266" r:id="rId8"/>
-    <p:sldId id="267" r:id="rId9"/>
-    <p:sldId id="261" r:id="rId10"/>
-    <p:sldId id="262" r:id="rId11"/>
-    <p:sldId id="257" r:id="rId12"/>
-    <p:sldId id="259" r:id="rId13"/>
-    <p:sldId id="263" r:id="rId14"/>
-    <p:sldId id="260" r:id="rId15"/>
+    <p:sldId id="269" r:id="rId4"/>
+    <p:sldId id="258" r:id="rId5"/>
+    <p:sldId id="264" r:id="rId6"/>
+    <p:sldId id="268" r:id="rId7"/>
+    <p:sldId id="265" r:id="rId8"/>
+    <p:sldId id="266" r:id="rId9"/>
+    <p:sldId id="267" r:id="rId10"/>
+    <p:sldId id="261" r:id="rId11"/>
+    <p:sldId id="262" r:id="rId12"/>
+    <p:sldId id="257" r:id="rId13"/>
+    <p:sldId id="259" r:id="rId14"/>
+    <p:sldId id="263" r:id="rId15"/>
+    <p:sldId id="260" r:id="rId16"/>
   </p:sldIdLst>
   <p:sldSz cx="12192000" cy="6858000"/>
   <p:notesSz cx="6858000" cy="9144000"/>
@@ -210,7 +211,7 @@
           <a:p>
             <a:fld id="{ACD21A84-8E70-4EBE-8F53-682F89C94E0C}" type="datetimeFigureOut">
               <a:rPr lang="en-US" smtClean="0"/>
-              <a:t>1/11/2023</a:t>
+              <a:t>1/28/2023</a:t>
             </a:fld>
             <a:endParaRPr lang="en-US"/>
           </a:p>
@@ -572,7 +573,7 @@
           <a:p>
             <a:fld id="{D7D08E85-332C-4B39-B5EB-7E3DE6141764}" type="slidenum">
               <a:rPr lang="en-US" smtClean="0"/>
-              <a:t>10</a:t>
+              <a:t>11</a:t>
             </a:fld>
             <a:endParaRPr lang="en-US"/>
           </a:p>
@@ -675,7 +676,7 @@
           <a:p>
             <a:fld id="{D7D08E85-332C-4B39-B5EB-7E3DE6141764}" type="slidenum">
               <a:rPr lang="en-US" smtClean="0"/>
-              <a:t>11</a:t>
+              <a:t>12</a:t>
             </a:fld>
             <a:endParaRPr lang="en-US"/>
           </a:p>
@@ -823,7 +824,7 @@
           <a:p>
             <a:fld id="{50252674-9C9F-457A-A4EF-90171CF6A32E}" type="datetimeFigureOut">
               <a:rPr lang="en-US" smtClean="0"/>
-              <a:t>1/11/2023</a:t>
+              <a:t>1/28/2023</a:t>
             </a:fld>
             <a:endParaRPr lang="en-US"/>
           </a:p>
@@ -991,7 +992,7 @@
           <a:p>
             <a:fld id="{50252674-9C9F-457A-A4EF-90171CF6A32E}" type="datetimeFigureOut">
               <a:rPr lang="en-US" smtClean="0"/>
-              <a:t>1/11/2023</a:t>
+              <a:t>1/28/2023</a:t>
             </a:fld>
             <a:endParaRPr lang="en-US"/>
           </a:p>
@@ -1169,7 +1170,7 @@
           <a:p>
             <a:fld id="{50252674-9C9F-457A-A4EF-90171CF6A32E}" type="datetimeFigureOut">
               <a:rPr lang="en-US" smtClean="0"/>
-              <a:t>1/11/2023</a:t>
+              <a:t>1/28/2023</a:t>
             </a:fld>
             <a:endParaRPr lang="en-US"/>
           </a:p>
@@ -4435,7 +4436,7 @@
           <a:p>
             <a:fld id="{50252674-9C9F-457A-A4EF-90171CF6A32E}" type="datetimeFigureOut">
               <a:rPr lang="en-US" smtClean="0"/>
-              <a:t>1/11/2023</a:t>
+              <a:t>1/28/2023</a:t>
             </a:fld>
             <a:endParaRPr lang="en-US"/>
           </a:p>
@@ -4633,7 +4634,7 @@
           <a:p>
             <a:fld id="{50252674-9C9F-457A-A4EF-90171CF6A32E}" type="datetimeFigureOut">
               <a:rPr lang="en-US" smtClean="0"/>
-              <a:t>1/11/2023</a:t>
+              <a:t>1/28/2023</a:t>
             </a:fld>
             <a:endParaRPr lang="en-US"/>
           </a:p>
@@ -4908,7 +4909,7 @@
           <a:p>
             <a:fld id="{50252674-9C9F-457A-A4EF-90171CF6A32E}" type="datetimeFigureOut">
               <a:rPr lang="en-US" smtClean="0"/>
-              <a:t>1/11/2023</a:t>
+              <a:t>1/28/2023</a:t>
             </a:fld>
             <a:endParaRPr lang="en-US"/>
           </a:p>
@@ -5173,7 +5174,7 @@
           <a:p>
             <a:fld id="{50252674-9C9F-457A-A4EF-90171CF6A32E}" type="datetimeFigureOut">
               <a:rPr lang="en-US" smtClean="0"/>
-              <a:t>1/11/2023</a:t>
+              <a:t>1/28/2023</a:t>
             </a:fld>
             <a:endParaRPr lang="en-US"/>
           </a:p>
@@ -5585,7 +5586,7 @@
           <a:p>
             <a:fld id="{50252674-9C9F-457A-A4EF-90171CF6A32E}" type="datetimeFigureOut">
               <a:rPr lang="en-US" smtClean="0"/>
-              <a:t>1/11/2023</a:t>
+              <a:t>1/28/2023</a:t>
             </a:fld>
             <a:endParaRPr lang="en-US"/>
           </a:p>
@@ -5726,7 +5727,7 @@
           <a:p>
             <a:fld id="{50252674-9C9F-457A-A4EF-90171CF6A32E}" type="datetimeFigureOut">
               <a:rPr lang="en-US" smtClean="0"/>
-              <a:t>1/11/2023</a:t>
+              <a:t>1/28/2023</a:t>
             </a:fld>
             <a:endParaRPr lang="en-US"/>
           </a:p>
@@ -5839,7 +5840,7 @@
           <a:p>
             <a:fld id="{50252674-9C9F-457A-A4EF-90171CF6A32E}" type="datetimeFigureOut">
               <a:rPr lang="en-US" smtClean="0"/>
-              <a:t>1/11/2023</a:t>
+              <a:t>1/28/2023</a:t>
             </a:fld>
             <a:endParaRPr lang="en-US"/>
           </a:p>
@@ -6019,7 +6020,7 @@
           <a:p>
             <a:fld id="{50252674-9C9F-457A-A4EF-90171CF6A32E}" type="datetimeFigureOut">
               <a:rPr lang="en-US" smtClean="0"/>
-              <a:t>1/11/2023</a:t>
+              <a:t>1/28/2023</a:t>
             </a:fld>
             <a:endParaRPr lang="en-US"/>
           </a:p>
@@ -6318,7 +6319,7 @@
           <a:p>
             <a:fld id="{50252674-9C9F-457A-A4EF-90171CF6A32E}" type="datetimeFigureOut">
               <a:rPr lang="en-US" smtClean="0"/>
-              <a:t>1/11/2023</a:t>
+              <a:t>1/28/2023</a:t>
             </a:fld>
             <a:endParaRPr lang="en-US"/>
           </a:p>
@@ -6609,7 +6610,7 @@
           <a:p>
             <a:fld id="{50252674-9C9F-457A-A4EF-90171CF6A32E}" type="datetimeFigureOut">
               <a:rPr lang="en-US" smtClean="0"/>
-              <a:t>1/11/2023</a:t>
+              <a:t>1/28/2023</a:t>
             </a:fld>
             <a:endParaRPr lang="en-US"/>
           </a:p>
@@ -6807,7 +6808,7 @@
           <a:p>
             <a:fld id="{50252674-9C9F-457A-A4EF-90171CF6A32E}" type="datetimeFigureOut">
               <a:rPr lang="en-US" smtClean="0"/>
-              <a:t>1/11/2023</a:t>
+              <a:t>1/28/2023</a:t>
             </a:fld>
             <a:endParaRPr lang="en-US"/>
           </a:p>
@@ -7015,7 +7016,7 @@
           <a:p>
             <a:fld id="{50252674-9C9F-457A-A4EF-90171CF6A32E}" type="datetimeFigureOut">
               <a:rPr lang="en-US" smtClean="0"/>
-              <a:t>1/11/2023</a:t>
+              <a:t>1/28/2023</a:t>
             </a:fld>
             <a:endParaRPr lang="en-US"/>
           </a:p>
@@ -7272,7 +7273,7 @@
           <a:p>
             <a:fld id="{50252674-9C9F-457A-A4EF-90171CF6A32E}" type="datetimeFigureOut">
               <a:rPr lang="en-US" smtClean="0"/>
-              <a:t>1/11/2023</a:t>
+              <a:t>1/28/2023</a:t>
             </a:fld>
             <a:endParaRPr lang="en-US"/>
           </a:p>
@@ -7501,7 +7502,7 @@
           <a:p>
             <a:fld id="{50252674-9C9F-457A-A4EF-90171CF6A32E}" type="datetimeFigureOut">
               <a:rPr lang="en-US" smtClean="0"/>
-              <a:t>1/11/2023</a:t>
+              <a:t>1/28/2023</a:t>
             </a:fld>
             <a:endParaRPr lang="en-US"/>
           </a:p>
@@ -7865,7 +7866,7 @@
           <a:p>
             <a:fld id="{50252674-9C9F-457A-A4EF-90171CF6A32E}" type="datetimeFigureOut">
               <a:rPr lang="en-US" smtClean="0"/>
-              <a:t>1/11/2023</a:t>
+              <a:t>1/28/2023</a:t>
             </a:fld>
             <a:endParaRPr lang="en-US"/>
           </a:p>
@@ -7982,7 +7983,7 @@
           <a:p>
             <a:fld id="{50252674-9C9F-457A-A4EF-90171CF6A32E}" type="datetimeFigureOut">
               <a:rPr lang="en-US" smtClean="0"/>
-              <a:t>1/11/2023</a:t>
+              <a:t>1/28/2023</a:t>
             </a:fld>
             <a:endParaRPr lang="en-US"/>
           </a:p>
@@ -8077,7 +8078,7 @@
           <a:p>
             <a:fld id="{50252674-9C9F-457A-A4EF-90171CF6A32E}" type="datetimeFigureOut">
               <a:rPr lang="en-US" smtClean="0"/>
-              <a:t>1/11/2023</a:t>
+              <a:t>1/28/2023</a:t>
             </a:fld>
             <a:endParaRPr lang="en-US"/>
           </a:p>
@@ -8352,7 +8353,7 @@
           <a:p>
             <a:fld id="{50252674-9C9F-457A-A4EF-90171CF6A32E}" type="datetimeFigureOut">
               <a:rPr lang="en-US" smtClean="0"/>
-              <a:t>1/11/2023</a:t>
+              <a:t>1/28/2023</a:t>
             </a:fld>
             <a:endParaRPr lang="en-US"/>
           </a:p>
@@ -8604,7 +8605,7 @@
           <a:p>
             <a:fld id="{50252674-9C9F-457A-A4EF-90171CF6A32E}" type="datetimeFigureOut">
               <a:rPr lang="en-US" smtClean="0"/>
-              <a:t>1/11/2023</a:t>
+              <a:t>1/28/2023</a:t>
             </a:fld>
             <a:endParaRPr lang="en-US"/>
           </a:p>
@@ -8815,7 +8816,7 @@
           <a:p>
             <a:fld id="{50252674-9C9F-457A-A4EF-90171CF6A32E}" type="datetimeFigureOut">
               <a:rPr lang="en-US" smtClean="0"/>
-              <a:t>1/11/2023</a:t>
+              <a:t>1/28/2023</a:t>
             </a:fld>
             <a:endParaRPr lang="en-US"/>
           </a:p>
@@ -9380,7 +9381,7 @@
           <a:p>
             <a:fld id="{50252674-9C9F-457A-A4EF-90171CF6A32E}" type="datetimeFigureOut">
               <a:rPr lang="en-US" smtClean="0"/>
-              <a:t>1/11/2023</a:t>
+              <a:t>1/28/2023</a:t>
             </a:fld>
             <a:endParaRPr lang="en-US"/>
           </a:p>
@@ -10313,6 +10314,78 @@
           <a:chExt cx="0" cy="0"/>
         </a:xfrm>
       </p:grpSpPr>
+      <p:pic>
+        <p:nvPicPr>
+          <p:cNvPr id="3074" name="Picture 2" descr="Diagram showing SQL Server 2022 capabilities."/>
+          <p:cNvPicPr>
+            <a:picLocks noChangeAspect="1" noChangeArrowheads="1"/>
+          </p:cNvPicPr>
+          <p:nvPr/>
+        </p:nvPicPr>
+        <p:blipFill>
+          <a:blip r:embed="rId2">
+            <a:alphaModFix amt="50000"/>
+            <a:extLst>
+              <a:ext uri="{28A0092B-C50C-407E-A947-70E740481C1C}">
+                <a14:useLocalDpi xmlns:a14="http://schemas.microsoft.com/office/drawing/2010/main" val="0"/>
+              </a:ext>
+            </a:extLst>
+          </a:blip>
+          <a:srcRect/>
+          <a:stretch>
+            <a:fillRect/>
+          </a:stretch>
+        </p:blipFill>
+        <p:spPr bwMode="auto">
+          <a:xfrm>
+            <a:off x="1524000" y="190500"/>
+            <a:ext cx="9144000" cy="6477000"/>
+          </a:xfrm>
+          <a:prstGeom prst="rect">
+            <a:avLst/>
+          </a:prstGeom>
+          <a:noFill/>
+          <a:extLst>
+            <a:ext uri="{909E8E84-426E-40DD-AFC4-6F175D3DCCD1}">
+              <a14:hiddenFill xmlns:a14="http://schemas.microsoft.com/office/drawing/2010/main">
+                <a:solidFill>
+                  <a:srgbClr val="FFFFFF"/>
+                </a:solidFill>
+              </a14:hiddenFill>
+            </a:ext>
+          </a:extLst>
+        </p:spPr>
+      </p:pic>
+    </p:spTree>
+    <p:extLst>
+      <p:ext uri="{BB962C8B-B14F-4D97-AF65-F5344CB8AC3E}">
+        <p14:creationId xmlns:p14="http://schemas.microsoft.com/office/powerpoint/2010/main" val="2619470027"/>
+      </p:ext>
+    </p:extLst>
+  </p:cSld>
+  <p:clrMapOvr>
+    <a:masterClrMapping/>
+  </p:clrMapOvr>
+</p:sld>
+</file>
+
+<file path=ppt/slides/slide11.xml><?xml version="1.0" encoding="utf-8"?>
+<p:sld xmlns:a="http://schemas.openxmlformats.org/drawingml/2006/main" xmlns:r="http://schemas.openxmlformats.org/officeDocument/2006/relationships" xmlns:p="http://schemas.openxmlformats.org/presentationml/2006/main">
+  <p:cSld>
+    <p:spTree>
+      <p:nvGrpSpPr>
+        <p:cNvPr id="1" name=""/>
+        <p:cNvGrpSpPr/>
+        <p:nvPr/>
+      </p:nvGrpSpPr>
+      <p:grpSpPr>
+        <a:xfrm>
+          <a:off x="0" y="0"/>
+          <a:ext cx="0" cy="0"/>
+          <a:chOff x="0" y="0"/>
+          <a:chExt cx="0" cy="0"/>
+        </a:xfrm>
+      </p:grpSpPr>
       <p:sp>
         <p:nvSpPr>
           <p:cNvPr id="2" name="Title 1"/>
@@ -10345,14 +10418,14 @@
           <p:nvPr>
             <p:extLst>
               <p:ext uri="{D42A27DB-BD31-4B8C-83A1-F6EECF244321}">
-                <p14:modId xmlns:p14="http://schemas.microsoft.com/office/powerpoint/2010/main" val="2320896336"/>
+                <p14:modId xmlns:p14="http://schemas.microsoft.com/office/powerpoint/2010/main" val="202656192"/>
               </p:ext>
             </p:extLst>
           </p:nvPr>
         </p:nvGraphicFramePr>
         <p:xfrm>
           <a:off x="1021132" y="1690688"/>
-          <a:ext cx="10332670" cy="4610685"/>
+          <a:ext cx="10332670" cy="4082275"/>
         </p:xfrm>
         <a:graphic>
           <a:graphicData uri="http://schemas.openxmlformats.org/drawingml/2006/table">
@@ -11102,7 +11175,7 @@
                   </a:ext>
                 </a:extLst>
               </a:tr>
-              <a:tr h="979771">
+              <a:tr h="451361">
                 <a:tc>
                   <a:txBody>
                     <a:bodyPr/>
@@ -11593,10 +11666,21 @@
                     <a:lstStyle/>
                     <a:p>
                       <a:r>
-                        <a:rPr lang="en-US" sz="600">
+                        <a:rPr lang="en-US" sz="600" dirty="0">
                           <a:effectLst/>
                         </a:rPr>
-                        <a:t>Personal / Desktop Engine (MSDE) / Enterprise Evaluation / Windows CE</a:t>
+                        <a:t>Personal / Desktop Engine (MSDE) / </a:t>
+                      </a:r>
+                      <a:br>
+                        <a:rPr lang="en-US" sz="600" dirty="0">
+                          <a:effectLst/>
+                        </a:rPr>
+                      </a:br>
+                      <a:r>
+                        <a:rPr lang="en-US" sz="600" dirty="0">
+                          <a:effectLst/>
+                        </a:rPr>
+                        <a:t>Enterprise Evaluation / Windows CE</a:t>
                       </a:r>
                     </a:p>
                   </a:txBody>
@@ -16139,7 +16223,7 @@
 </p:sld>
 </file>
 
-<file path=ppt/slides/slide11.xml><?xml version="1.0" encoding="utf-8"?>
+<file path=ppt/slides/slide12.xml><?xml version="1.0" encoding="utf-8"?>
 <p:sld xmlns:a="http://schemas.openxmlformats.org/drawingml/2006/main" xmlns:r="http://schemas.openxmlformats.org/officeDocument/2006/relationships" xmlns:p="http://schemas.openxmlformats.org/presentationml/2006/main">
   <p:cSld>
     <p:spTree>
@@ -26486,7 +26570,7 @@
 </p:sld>
 </file>
 
-<file path=ppt/slides/slide12.xml><?xml version="1.0" encoding="utf-8"?>
+<file path=ppt/slides/slide13.xml><?xml version="1.0" encoding="utf-8"?>
 <p:sld xmlns:a="http://schemas.openxmlformats.org/drawingml/2006/main" xmlns:r="http://schemas.openxmlformats.org/officeDocument/2006/relationships" xmlns:p="http://schemas.openxmlformats.org/presentationml/2006/main">
   <p:cSld>
     <p:spTree>
@@ -29922,7 +30006,7 @@
 </p:sld>
 </file>
 
-<file path=ppt/slides/slide13.xml><?xml version="1.0" encoding="utf-8"?>
+<file path=ppt/slides/slide14.xml><?xml version="1.0" encoding="utf-8"?>
 <p:sld xmlns:a="http://schemas.openxmlformats.org/drawingml/2006/main" xmlns:r="http://schemas.openxmlformats.org/officeDocument/2006/relationships" xmlns:p="http://schemas.openxmlformats.org/presentationml/2006/main">
   <p:cSld>
     <p:spTree>
@@ -30107,6 +30191,127 @@
       </p:grpSpPr>
       <p:sp>
         <p:nvSpPr>
+          <p:cNvPr id="4" name="标题 3">
+            <a:extLst>
+              <a:ext uri="{FF2B5EF4-FFF2-40B4-BE49-F238E27FC236}">
+                <a16:creationId xmlns:a16="http://schemas.microsoft.com/office/drawing/2014/main" id="{C45416B0-C461-F1E6-28D3-E8ABCD9BF514}"/>
+              </a:ext>
+            </a:extLst>
+          </p:cNvPr>
+          <p:cNvSpPr>
+            <a:spLocks noGrp="1"/>
+          </p:cNvSpPr>
+          <p:nvPr>
+            <p:ph type="title"/>
+          </p:nvPr>
+        </p:nvSpPr>
+        <p:spPr/>
+        <p:txBody>
+          <a:bodyPr/>
+          <a:lstStyle/>
+          <a:p>
+            <a:r>
+              <a:rPr lang="zh-CN" altLang="en-US" dirty="0"/>
+              <a:t>核心内容</a:t>
+            </a:r>
+          </a:p>
+        </p:txBody>
+      </p:sp>
+      <p:sp>
+        <p:nvSpPr>
+          <p:cNvPr id="5" name="内容占位符 4">
+            <a:extLst>
+              <a:ext uri="{FF2B5EF4-FFF2-40B4-BE49-F238E27FC236}">
+                <a16:creationId xmlns:a16="http://schemas.microsoft.com/office/drawing/2014/main" id="{C33EFA62-9696-3099-77DD-254066875C3C}"/>
+              </a:ext>
+            </a:extLst>
+          </p:cNvPr>
+          <p:cNvSpPr>
+            <a:spLocks noGrp="1"/>
+          </p:cNvSpPr>
+          <p:nvPr>
+            <p:ph idx="1"/>
+          </p:nvPr>
+        </p:nvSpPr>
+        <p:spPr/>
+        <p:txBody>
+          <a:bodyPr/>
+          <a:lstStyle/>
+          <a:p>
+            <a:r>
+              <a:rPr lang="zh-CN" altLang="en-US" dirty="0"/>
+              <a:t>简介</a:t>
+            </a:r>
+            <a:endParaRPr lang="en-US" altLang="zh-CN" dirty="0"/>
+          </a:p>
+          <a:p>
+            <a:r>
+              <a:rPr lang="zh-CN" altLang="en-US" dirty="0"/>
+              <a:t>安装与部署</a:t>
+            </a:r>
+            <a:endParaRPr lang="en-US" altLang="zh-CN" dirty="0"/>
+          </a:p>
+          <a:p>
+            <a:r>
+              <a:rPr lang="zh-CN" altLang="en-US" dirty="0"/>
+              <a:t>创建数据库</a:t>
+            </a:r>
+            <a:endParaRPr lang="en-US" altLang="zh-CN" dirty="0"/>
+          </a:p>
+          <a:p>
+            <a:r>
+              <a:rPr lang="zh-CN" altLang="en-US" dirty="0"/>
+              <a:t>收缩数据库</a:t>
+            </a:r>
+            <a:endParaRPr lang="en-US" altLang="zh-CN" dirty="0"/>
+          </a:p>
+          <a:p>
+            <a:r>
+              <a:rPr lang="zh-CN" altLang="en-US" dirty="0"/>
+              <a:t>备份与恢复</a:t>
+            </a:r>
+            <a:endParaRPr lang="en-US" altLang="zh-CN" dirty="0"/>
+          </a:p>
+          <a:p>
+            <a:r>
+              <a:rPr lang="zh-CN" altLang="en-US" dirty="0"/>
+              <a:t>计划任务</a:t>
+            </a:r>
+          </a:p>
+        </p:txBody>
+      </p:sp>
+    </p:spTree>
+    <p:extLst>
+      <p:ext uri="{BB962C8B-B14F-4D97-AF65-F5344CB8AC3E}">
+        <p14:creationId xmlns:p14="http://schemas.microsoft.com/office/powerpoint/2010/main" val="3795159833"/>
+      </p:ext>
+    </p:extLst>
+  </p:cSld>
+  <p:clrMapOvr>
+    <a:masterClrMapping/>
+  </p:clrMapOvr>
+</p:sld>
+</file>
+
+<file path=ppt/slides/slide3.xml><?xml version="1.0" encoding="utf-8"?>
+<p:sld xmlns:a="http://schemas.openxmlformats.org/drawingml/2006/main" xmlns:r="http://schemas.openxmlformats.org/officeDocument/2006/relationships" xmlns:p="http://schemas.openxmlformats.org/presentationml/2006/main">
+  <p:cSld>
+    <p:spTree>
+      <p:nvGrpSpPr>
+        <p:cNvPr id="1" name=""/>
+        <p:cNvGrpSpPr/>
+        <p:nvPr/>
+      </p:nvGrpSpPr>
+      <p:grpSpPr>
+        <a:xfrm>
+          <a:off x="0" y="0"/>
+          <a:ext cx="0" cy="0"/>
+          <a:chOff x="0" y="0"/>
+          <a:chExt cx="0" cy="0"/>
+        </a:xfrm>
+      </p:grpSpPr>
+      <p:sp>
+        <p:nvSpPr>
           <p:cNvPr id="2" name="Title 1"/>
           <p:cNvSpPr>
             <a:spLocks noGrp="1"/>
@@ -30409,7 +30614,7 @@
 </p:sld>
 </file>
 
-<file path=ppt/slides/slide3.xml><?xml version="1.0" encoding="utf-8"?>
+<file path=ppt/slides/slide4.xml><?xml version="1.0" encoding="utf-8"?>
 <p:sld xmlns:a="http://schemas.openxmlformats.org/drawingml/2006/main" xmlns:r="http://schemas.openxmlformats.org/officeDocument/2006/relationships" xmlns:p="http://schemas.openxmlformats.org/presentationml/2006/main">
   <p:cSld>
     <p:spTree>
@@ -30603,7 +30808,7 @@
 </p:sld>
 </file>
 
-<file path=ppt/slides/slide4.xml><?xml version="1.0" encoding="utf-8"?>
+<file path=ppt/slides/slide5.xml><?xml version="1.0" encoding="utf-8"?>
 <p:sld xmlns:a="http://schemas.openxmlformats.org/drawingml/2006/main" xmlns:r="http://schemas.openxmlformats.org/officeDocument/2006/relationships" xmlns:p="http://schemas.openxmlformats.org/presentationml/2006/main">
   <p:cSld>
     <p:spTree>
@@ -30779,7 +30984,7 @@
 </p:sld>
 </file>
 
-<file path=ppt/slides/slide5.xml><?xml version="1.0" encoding="utf-8"?>
+<file path=ppt/slides/slide6.xml><?xml version="1.0" encoding="utf-8"?>
 <p:sld xmlns:a="http://schemas.openxmlformats.org/drawingml/2006/main" xmlns:r="http://schemas.openxmlformats.org/officeDocument/2006/relationships" xmlns:p="http://schemas.openxmlformats.org/presentationml/2006/main">
   <p:cSld>
     <p:spTree>
@@ -30940,140 +31145,6 @@
     <p:extLst>
       <p:ext uri="{BB962C8B-B14F-4D97-AF65-F5344CB8AC3E}">
         <p14:creationId xmlns:p14="http://schemas.microsoft.com/office/powerpoint/2010/main" val="554114748"/>
-      </p:ext>
-    </p:extLst>
-  </p:cSld>
-  <p:clrMapOvr>
-    <a:masterClrMapping/>
-  </p:clrMapOvr>
-</p:sld>
-</file>
-
-<file path=ppt/slides/slide6.xml><?xml version="1.0" encoding="utf-8"?>
-<p:sld xmlns:a="http://schemas.openxmlformats.org/drawingml/2006/main" xmlns:r="http://schemas.openxmlformats.org/officeDocument/2006/relationships" xmlns:p="http://schemas.openxmlformats.org/presentationml/2006/main">
-  <p:cSld>
-    <p:spTree>
-      <p:nvGrpSpPr>
-        <p:cNvPr id="1" name=""/>
-        <p:cNvGrpSpPr/>
-        <p:nvPr/>
-      </p:nvGrpSpPr>
-      <p:grpSpPr>
-        <a:xfrm>
-          <a:off x="0" y="0"/>
-          <a:ext cx="0" cy="0"/>
-          <a:chOff x="0" y="0"/>
-          <a:chExt cx="0" cy="0"/>
-        </a:xfrm>
-      </p:grpSpPr>
-      <p:sp>
-        <p:nvSpPr>
-          <p:cNvPr id="2" name="标题 1">
-            <a:extLst>
-              <a:ext uri="{FF2B5EF4-FFF2-40B4-BE49-F238E27FC236}">
-                <a16:creationId xmlns:a16="http://schemas.microsoft.com/office/drawing/2014/main" id="{D4FA4C28-D227-2D22-A389-08393AEA37AE}"/>
-              </a:ext>
-            </a:extLst>
-          </p:cNvPr>
-          <p:cNvSpPr>
-            <a:spLocks noGrp="1"/>
-          </p:cNvSpPr>
-          <p:nvPr>
-            <p:ph type="title"/>
-          </p:nvPr>
-        </p:nvSpPr>
-        <p:spPr/>
-        <p:txBody>
-          <a:bodyPr/>
-          <a:lstStyle/>
-          <a:p>
-            <a:r>
-              <a:rPr lang="en-US" altLang="zh-CN" dirty="0"/>
-              <a:t>SQL Server</a:t>
-            </a:r>
-            <a:r>
-              <a:rPr lang="zh-CN" altLang="en-US" dirty="0"/>
-              <a:t>数据库是什么</a:t>
-            </a:r>
-          </a:p>
-        </p:txBody>
-      </p:sp>
-      <p:sp>
-        <p:nvSpPr>
-          <p:cNvPr id="3" name="内容占位符 2">
-            <a:extLst>
-              <a:ext uri="{FF2B5EF4-FFF2-40B4-BE49-F238E27FC236}">
-                <a16:creationId xmlns:a16="http://schemas.microsoft.com/office/drawing/2014/main" id="{BE4EC1A1-1284-E559-1AA5-818A05BF11A9}"/>
-              </a:ext>
-            </a:extLst>
-          </p:cNvPr>
-          <p:cNvSpPr>
-            <a:spLocks noGrp="1"/>
-          </p:cNvSpPr>
-          <p:nvPr>
-            <p:ph idx="1"/>
-          </p:nvPr>
-        </p:nvSpPr>
-        <p:spPr/>
-        <p:txBody>
-          <a:bodyPr/>
-          <a:lstStyle/>
-          <a:p>
-            <a:r>
-              <a:rPr lang="en-US" altLang="zh-CN" dirty="0"/>
-              <a:t>SQL Server</a:t>
-            </a:r>
-            <a:r>
-              <a:rPr lang="zh-CN" altLang="en-US" dirty="0"/>
-              <a:t>数据库是由表、代码、索引、安全等组成的。</a:t>
-            </a:r>
-            <a:endParaRPr lang="en-US" altLang="zh-CN" dirty="0"/>
-          </a:p>
-          <a:p>
-            <a:pPr lvl="1"/>
-            <a:r>
-              <a:rPr lang="zh-CN" altLang="en-US" dirty="0"/>
-              <a:t>表有存储数据的行和列。</a:t>
-            </a:r>
-            <a:endParaRPr lang="en-US" altLang="zh-CN" dirty="0"/>
-          </a:p>
-          <a:p>
-            <a:pPr lvl="1"/>
-            <a:r>
-              <a:rPr lang="zh-CN" altLang="en-US" dirty="0"/>
-              <a:t>最常见的编码对象是存储过程、视图、函数、参考性完整性、触发器等。</a:t>
-            </a:r>
-            <a:endParaRPr lang="en-US" altLang="zh-CN" dirty="0"/>
-          </a:p>
-          <a:p>
-            <a:pPr lvl="1"/>
-            <a:r>
-              <a:rPr lang="zh-CN" altLang="en-US" dirty="0"/>
-              <a:t>索引是建立在表上的，以改善对数据的访问。</a:t>
-            </a:r>
-            <a:endParaRPr lang="en-US" altLang="zh-CN" dirty="0"/>
-          </a:p>
-          <a:p>
-            <a:pPr lvl="1"/>
-            <a:r>
-              <a:rPr lang="zh-CN" altLang="en-US" dirty="0"/>
-              <a:t>安全性的建立是为了配置对数据的访问和</a:t>
-            </a:r>
-            <a:r>
-              <a:rPr lang="en-US" altLang="zh-CN" dirty="0"/>
-              <a:t>/</a:t>
-            </a:r>
-            <a:r>
-              <a:rPr lang="zh-CN" altLang="en-US" dirty="0"/>
-              <a:t>或执行特定的命令。</a:t>
-            </a:r>
-          </a:p>
-        </p:txBody>
-      </p:sp>
-    </p:spTree>
-    <p:extLst>
-      <p:ext uri="{BB962C8B-B14F-4D97-AF65-F5344CB8AC3E}">
-        <p14:creationId xmlns:p14="http://schemas.microsoft.com/office/powerpoint/2010/main" val="2853748607"/>
       </p:ext>
     </p:extLst>
   </p:cSld>
@@ -31127,7 +31198,7 @@
             </a:r>
             <a:r>
               <a:rPr lang="zh-CN" altLang="en-US" dirty="0"/>
-              <a:t>数据库文件</a:t>
+              <a:t>数据库是什么</a:t>
             </a:r>
           </a:p>
         </p:txBody>
@@ -31159,6 +31230,140 @@
             </a:r>
             <a:r>
               <a:rPr lang="zh-CN" altLang="en-US" dirty="0"/>
+              <a:t>数据库是由表、代码、索引、安全等组成的。</a:t>
+            </a:r>
+            <a:endParaRPr lang="en-US" altLang="zh-CN" dirty="0"/>
+          </a:p>
+          <a:p>
+            <a:pPr lvl="1"/>
+            <a:r>
+              <a:rPr lang="zh-CN" altLang="en-US" dirty="0"/>
+              <a:t>表有存储数据的行和列。</a:t>
+            </a:r>
+            <a:endParaRPr lang="en-US" altLang="zh-CN" dirty="0"/>
+          </a:p>
+          <a:p>
+            <a:pPr lvl="1"/>
+            <a:r>
+              <a:rPr lang="zh-CN" altLang="en-US" dirty="0"/>
+              <a:t>最常见的编码对象是存储过程、视图、函数、参考性完整性、触发器等。</a:t>
+            </a:r>
+            <a:endParaRPr lang="en-US" altLang="zh-CN" dirty="0"/>
+          </a:p>
+          <a:p>
+            <a:pPr lvl="1"/>
+            <a:r>
+              <a:rPr lang="zh-CN" altLang="en-US" dirty="0"/>
+              <a:t>索引是建立在表上的，以改善对数据的访问。</a:t>
+            </a:r>
+            <a:endParaRPr lang="en-US" altLang="zh-CN" dirty="0"/>
+          </a:p>
+          <a:p>
+            <a:pPr lvl="1"/>
+            <a:r>
+              <a:rPr lang="zh-CN" altLang="en-US" dirty="0"/>
+              <a:t>安全性的建立是为了配置对数据的访问和</a:t>
+            </a:r>
+            <a:r>
+              <a:rPr lang="en-US" altLang="zh-CN" dirty="0"/>
+              <a:t>/</a:t>
+            </a:r>
+            <a:r>
+              <a:rPr lang="zh-CN" altLang="en-US" dirty="0"/>
+              <a:t>或执行特定的命令。</a:t>
+            </a:r>
+          </a:p>
+        </p:txBody>
+      </p:sp>
+    </p:spTree>
+    <p:extLst>
+      <p:ext uri="{BB962C8B-B14F-4D97-AF65-F5344CB8AC3E}">
+        <p14:creationId xmlns:p14="http://schemas.microsoft.com/office/powerpoint/2010/main" val="2853748607"/>
+      </p:ext>
+    </p:extLst>
+  </p:cSld>
+  <p:clrMapOvr>
+    <a:masterClrMapping/>
+  </p:clrMapOvr>
+</p:sld>
+</file>
+
+<file path=ppt/slides/slide8.xml><?xml version="1.0" encoding="utf-8"?>
+<p:sld xmlns:a="http://schemas.openxmlformats.org/drawingml/2006/main" xmlns:r="http://schemas.openxmlformats.org/officeDocument/2006/relationships" xmlns:p="http://schemas.openxmlformats.org/presentationml/2006/main">
+  <p:cSld>
+    <p:spTree>
+      <p:nvGrpSpPr>
+        <p:cNvPr id="1" name=""/>
+        <p:cNvGrpSpPr/>
+        <p:nvPr/>
+      </p:nvGrpSpPr>
+      <p:grpSpPr>
+        <a:xfrm>
+          <a:off x="0" y="0"/>
+          <a:ext cx="0" cy="0"/>
+          <a:chOff x="0" y="0"/>
+          <a:chExt cx="0" cy="0"/>
+        </a:xfrm>
+      </p:grpSpPr>
+      <p:sp>
+        <p:nvSpPr>
+          <p:cNvPr id="2" name="标题 1">
+            <a:extLst>
+              <a:ext uri="{FF2B5EF4-FFF2-40B4-BE49-F238E27FC236}">
+                <a16:creationId xmlns:a16="http://schemas.microsoft.com/office/drawing/2014/main" id="{D4FA4C28-D227-2D22-A389-08393AEA37AE}"/>
+              </a:ext>
+            </a:extLst>
+          </p:cNvPr>
+          <p:cNvSpPr>
+            <a:spLocks noGrp="1"/>
+          </p:cNvSpPr>
+          <p:nvPr>
+            <p:ph type="title"/>
+          </p:nvPr>
+        </p:nvSpPr>
+        <p:spPr/>
+        <p:txBody>
+          <a:bodyPr/>
+          <a:lstStyle/>
+          <a:p>
+            <a:r>
+              <a:rPr lang="en-US" altLang="zh-CN" dirty="0"/>
+              <a:t>SQL Server</a:t>
+            </a:r>
+            <a:r>
+              <a:rPr lang="zh-CN" altLang="en-US" dirty="0"/>
+              <a:t>数据库文件</a:t>
+            </a:r>
+          </a:p>
+        </p:txBody>
+      </p:sp>
+      <p:sp>
+        <p:nvSpPr>
+          <p:cNvPr id="3" name="内容占位符 2">
+            <a:extLst>
+              <a:ext uri="{FF2B5EF4-FFF2-40B4-BE49-F238E27FC236}">
+                <a16:creationId xmlns:a16="http://schemas.microsoft.com/office/drawing/2014/main" id="{BE4EC1A1-1284-E559-1AA5-818A05BF11A9}"/>
+              </a:ext>
+            </a:extLst>
+          </p:cNvPr>
+          <p:cNvSpPr>
+            <a:spLocks noGrp="1"/>
+          </p:cNvSpPr>
+          <p:nvPr>
+            <p:ph idx="1"/>
+          </p:nvPr>
+        </p:nvSpPr>
+        <p:spPr/>
+        <p:txBody>
+          <a:bodyPr/>
+          <a:lstStyle/>
+          <a:p>
+            <a:r>
+              <a:rPr lang="en-US" altLang="zh-CN" dirty="0"/>
+              <a:t>SQL Server</a:t>
+            </a:r>
+            <a:r>
+              <a:rPr lang="zh-CN" altLang="en-US" dirty="0"/>
               <a:t>数据库文件后缀</a:t>
             </a:r>
             <a:endParaRPr lang="en-US" altLang="zh-CN" dirty="0"/>
@@ -31262,7 +31467,7 @@
 </p:sld>
 </file>
 
-<file path=ppt/slides/slide8.xml><?xml version="1.0" encoding="utf-8"?>
+<file path=ppt/slides/slide9.xml><?xml version="1.0" encoding="utf-8"?>
 <p:sld xmlns:a="http://schemas.openxmlformats.org/drawingml/2006/main" xmlns:r="http://schemas.openxmlformats.org/officeDocument/2006/relationships" xmlns:p="http://schemas.openxmlformats.org/presentationml/2006/main">
   <p:cSld>
     <p:spTree>
@@ -31448,78 +31653,6 @@
     <p:extLst>
       <p:ext uri="{BB962C8B-B14F-4D97-AF65-F5344CB8AC3E}">
         <p14:creationId xmlns:p14="http://schemas.microsoft.com/office/powerpoint/2010/main" val="3702679980"/>
-      </p:ext>
-    </p:extLst>
-  </p:cSld>
-  <p:clrMapOvr>
-    <a:masterClrMapping/>
-  </p:clrMapOvr>
-</p:sld>
-</file>
-
-<file path=ppt/slides/slide9.xml><?xml version="1.0" encoding="utf-8"?>
-<p:sld xmlns:a="http://schemas.openxmlformats.org/drawingml/2006/main" xmlns:r="http://schemas.openxmlformats.org/officeDocument/2006/relationships" xmlns:p="http://schemas.openxmlformats.org/presentationml/2006/main">
-  <p:cSld>
-    <p:spTree>
-      <p:nvGrpSpPr>
-        <p:cNvPr id="1" name=""/>
-        <p:cNvGrpSpPr/>
-        <p:nvPr/>
-      </p:nvGrpSpPr>
-      <p:grpSpPr>
-        <a:xfrm>
-          <a:off x="0" y="0"/>
-          <a:ext cx="0" cy="0"/>
-          <a:chOff x="0" y="0"/>
-          <a:chExt cx="0" cy="0"/>
-        </a:xfrm>
-      </p:grpSpPr>
-      <p:pic>
-        <p:nvPicPr>
-          <p:cNvPr id="3074" name="Picture 2" descr="Diagram showing SQL Server 2022 capabilities."/>
-          <p:cNvPicPr>
-            <a:picLocks noChangeAspect="1" noChangeArrowheads="1"/>
-          </p:cNvPicPr>
-          <p:nvPr/>
-        </p:nvPicPr>
-        <p:blipFill>
-          <a:blip r:embed="rId2">
-            <a:alphaModFix amt="50000"/>
-            <a:extLst>
-              <a:ext uri="{28A0092B-C50C-407E-A947-70E740481C1C}">
-                <a14:useLocalDpi xmlns:a14="http://schemas.microsoft.com/office/drawing/2010/main" val="0"/>
-              </a:ext>
-            </a:extLst>
-          </a:blip>
-          <a:srcRect/>
-          <a:stretch>
-            <a:fillRect/>
-          </a:stretch>
-        </p:blipFill>
-        <p:spPr bwMode="auto">
-          <a:xfrm>
-            <a:off x="1524000" y="190500"/>
-            <a:ext cx="9144000" cy="6477000"/>
-          </a:xfrm>
-          <a:prstGeom prst="rect">
-            <a:avLst/>
-          </a:prstGeom>
-          <a:noFill/>
-          <a:extLst>
-            <a:ext uri="{909E8E84-426E-40DD-AFC4-6F175D3DCCD1}">
-              <a14:hiddenFill xmlns:a14="http://schemas.microsoft.com/office/drawing/2010/main">
-                <a:solidFill>
-                  <a:srgbClr val="FFFFFF"/>
-                </a:solidFill>
-              </a14:hiddenFill>
-            </a:ext>
-          </a:extLst>
-        </p:spPr>
-      </p:pic>
-    </p:spTree>
-    <p:extLst>
-      <p:ext uri="{BB962C8B-B14F-4D97-AF65-F5344CB8AC3E}">
-        <p14:creationId xmlns:p14="http://schemas.microsoft.com/office/powerpoint/2010/main" val="2619470027"/>
       </p:ext>
     </p:extLst>
   </p:cSld>
